--- a/Slide/2015_STATS.pptx
+++ b/Slide/2015_STATS.pptx
@@ -8075,12 +8075,167 @@
           </a:p>
         </p:txBody>
       </p:sp>
+      <p:sp>
+        <p:nvSpPr>
+          <p:cNvPr id="10" name="TextBox 9">
+            <a:extLst>
+              <a:ext uri="{FF2B5EF4-FFF2-40B4-BE49-F238E27FC236}">
+                <a16:creationId xmlns:a16="http://schemas.microsoft.com/office/drawing/2014/main" id="{4AF68A73-AC1E-4AEF-8EA9-E2593DC360A8}"/>
+              </a:ext>
+            </a:extLst>
+          </p:cNvPr>
+          <p:cNvSpPr txBox="1"/>
+          <p:nvPr/>
+        </p:nvSpPr>
+        <p:spPr>
+          <a:xfrm>
+            <a:off x="9740590" y="2235173"/>
+            <a:ext cx="758283" cy="276999"/>
+          </a:xfrm>
+          <a:prstGeom prst="rect">
+            <a:avLst/>
+          </a:prstGeom>
+          <a:noFill/>
+        </p:spPr>
+        <p:txBody>
+          <a:bodyPr wrap="square" rtlCol="0">
+            <a:spAutoFit/>
+          </a:bodyPr>
+          <a:lstStyle/>
+          <a:p>
+            <a:r>
+              <a:rPr lang="en-CA" sz="1200" dirty="0"/>
+              <a:t>P=0.29</a:t>
+            </a:r>
+          </a:p>
+        </p:txBody>
+      </p:sp>
+      <p:sp>
+        <p:nvSpPr>
+          <p:cNvPr id="14" name="TextBox 13">
+            <a:extLst>
+              <a:ext uri="{FF2B5EF4-FFF2-40B4-BE49-F238E27FC236}">
+                <a16:creationId xmlns:a16="http://schemas.microsoft.com/office/drawing/2014/main" id="{13FD781D-4C4F-4A9C-B40C-9FCE4BEF3FDA}"/>
+              </a:ext>
+            </a:extLst>
+          </p:cNvPr>
+          <p:cNvSpPr txBox="1"/>
+          <p:nvPr/>
+        </p:nvSpPr>
+        <p:spPr>
+          <a:xfrm>
+            <a:off x="9740590" y="3577113"/>
+            <a:ext cx="1589049" cy="276999"/>
+          </a:xfrm>
+          <a:prstGeom prst="rect">
+            <a:avLst/>
+          </a:prstGeom>
+          <a:noFill/>
+        </p:spPr>
+        <p:txBody>
+          <a:bodyPr wrap="square" rtlCol="0">
+            <a:spAutoFit/>
+          </a:bodyPr>
+          <a:lstStyle/>
+          <a:p>
+            <a:r>
+              <a:rPr lang="en-CA" sz="1200" dirty="0"/>
+              <a:t>P=1.4x10</a:t>
+            </a:r>
+            <a:r>
+              <a:rPr lang="en-CA" sz="1200" baseline="30000" dirty="0"/>
+              <a:t>-5</a:t>
+            </a:r>
+            <a:endParaRPr lang="en-CA" sz="1200" dirty="0"/>
+          </a:p>
+        </p:txBody>
+      </p:sp>
+      <p:sp>
+        <p:nvSpPr>
+          <p:cNvPr id="16" name="TextBox 15">
+            <a:extLst>
+              <a:ext uri="{FF2B5EF4-FFF2-40B4-BE49-F238E27FC236}">
+                <a16:creationId xmlns:a16="http://schemas.microsoft.com/office/drawing/2014/main" id="{EE2FFD61-B1FB-45EC-B26E-1BD62AF420EF}"/>
+              </a:ext>
+            </a:extLst>
+          </p:cNvPr>
+          <p:cNvSpPr txBox="1"/>
+          <p:nvPr/>
+        </p:nvSpPr>
+        <p:spPr>
+          <a:xfrm>
+            <a:off x="9704348" y="4919053"/>
+            <a:ext cx="1589049" cy="276999"/>
+          </a:xfrm>
+          <a:prstGeom prst="rect">
+            <a:avLst/>
+          </a:prstGeom>
+          <a:noFill/>
+        </p:spPr>
+        <p:txBody>
+          <a:bodyPr wrap="square" rtlCol="0">
+            <a:spAutoFit/>
+          </a:bodyPr>
+          <a:lstStyle/>
+          <a:p>
+            <a:r>
+              <a:rPr lang="en-CA" sz="1200" dirty="0"/>
+              <a:t>P=1.1x10</a:t>
+            </a:r>
+            <a:r>
+              <a:rPr lang="en-CA" sz="1200" baseline="30000" dirty="0"/>
+              <a:t>-30</a:t>
+            </a:r>
+            <a:endParaRPr lang="en-CA" sz="1200" dirty="0"/>
+          </a:p>
+        </p:txBody>
+      </p:sp>
+      <p:sp>
+        <p:nvSpPr>
+          <p:cNvPr id="18" name="TextBox 17">
+            <a:extLst>
+              <a:ext uri="{FF2B5EF4-FFF2-40B4-BE49-F238E27FC236}">
+                <a16:creationId xmlns:a16="http://schemas.microsoft.com/office/drawing/2014/main" id="{233A0489-5A50-495C-838D-1903A9F2ED75}"/>
+              </a:ext>
+            </a:extLst>
+          </p:cNvPr>
+          <p:cNvSpPr txBox="1"/>
+          <p:nvPr/>
+        </p:nvSpPr>
+        <p:spPr>
+          <a:xfrm>
+            <a:off x="9687620" y="6459779"/>
+            <a:ext cx="1589049" cy="276999"/>
+          </a:xfrm>
+          <a:prstGeom prst="rect">
+            <a:avLst/>
+          </a:prstGeom>
+          <a:noFill/>
+        </p:spPr>
+        <p:txBody>
+          <a:bodyPr wrap="square" rtlCol="0">
+            <a:spAutoFit/>
+          </a:bodyPr>
+          <a:lstStyle/>
+          <a:p>
+            <a:r>
+              <a:rPr lang="en-CA" sz="1200" dirty="0"/>
+              <a:t>P=1.9x10</a:t>
+            </a:r>
+            <a:r>
+              <a:rPr lang="en-CA" sz="1200" baseline="30000" dirty="0"/>
+              <a:t>-36</a:t>
+            </a:r>
+            <a:endParaRPr lang="en-CA" sz="1200" dirty="0"/>
+          </a:p>
+        </p:txBody>
+      </p:sp>
       <p:pic>
         <p:nvPicPr>
-          <p:cNvPr id="9" name="Picture 8" descr="A screen shot of a computer&#10;&#10;Description automatically generated">
+          <p:cNvPr id="12" name="Picture 11" descr="A screen shot of a computer&#10;&#10;Description automatically generated">
             <a:extLst>
               <a:ext uri="{FF2B5EF4-FFF2-40B4-BE49-F238E27FC236}">
-                <a16:creationId xmlns:a16="http://schemas.microsoft.com/office/drawing/2014/main" id="{9FB74752-D4DB-4352-9D6C-E5D03CD422D3}"/>
+                <a16:creationId xmlns:a16="http://schemas.microsoft.com/office/drawing/2014/main" id="{9EBEA8B0-160B-4363-A355-9741A7B190EF}"/>
               </a:ext>
             </a:extLst>
           </p:cNvPr>
@@ -8097,7 +8252,7 @@
         </p:blipFill>
         <p:spPr>
           <a:xfrm>
-            <a:off x="134744" y="323386"/>
+            <a:off x="95250" y="342368"/>
             <a:ext cx="12001500" cy="6858000"/>
           </a:xfrm>
           <a:prstGeom prst="rect">
@@ -8105,161 +8260,6 @@
           </a:prstGeom>
         </p:spPr>
       </p:pic>
-      <p:sp>
-        <p:nvSpPr>
-          <p:cNvPr id="10" name="TextBox 9">
-            <a:extLst>
-              <a:ext uri="{FF2B5EF4-FFF2-40B4-BE49-F238E27FC236}">
-                <a16:creationId xmlns:a16="http://schemas.microsoft.com/office/drawing/2014/main" id="{4AF68A73-AC1E-4AEF-8EA9-E2593DC360A8}"/>
-              </a:ext>
-            </a:extLst>
-          </p:cNvPr>
-          <p:cNvSpPr txBox="1"/>
-          <p:nvPr/>
-        </p:nvSpPr>
-        <p:spPr>
-          <a:xfrm>
-            <a:off x="9740590" y="2235173"/>
-            <a:ext cx="758283" cy="276999"/>
-          </a:xfrm>
-          <a:prstGeom prst="rect">
-            <a:avLst/>
-          </a:prstGeom>
-          <a:noFill/>
-        </p:spPr>
-        <p:txBody>
-          <a:bodyPr wrap="square" rtlCol="0">
-            <a:spAutoFit/>
-          </a:bodyPr>
-          <a:lstStyle/>
-          <a:p>
-            <a:r>
-              <a:rPr lang="en-CA" sz="1200" dirty="0"/>
-              <a:t>P=0.29</a:t>
-            </a:r>
-          </a:p>
-        </p:txBody>
-      </p:sp>
-      <p:sp>
-        <p:nvSpPr>
-          <p:cNvPr id="14" name="TextBox 13">
-            <a:extLst>
-              <a:ext uri="{FF2B5EF4-FFF2-40B4-BE49-F238E27FC236}">
-                <a16:creationId xmlns:a16="http://schemas.microsoft.com/office/drawing/2014/main" id="{13FD781D-4C4F-4A9C-B40C-9FCE4BEF3FDA}"/>
-              </a:ext>
-            </a:extLst>
-          </p:cNvPr>
-          <p:cNvSpPr txBox="1"/>
-          <p:nvPr/>
-        </p:nvSpPr>
-        <p:spPr>
-          <a:xfrm>
-            <a:off x="9740590" y="3577113"/>
-            <a:ext cx="1589049" cy="276999"/>
-          </a:xfrm>
-          <a:prstGeom prst="rect">
-            <a:avLst/>
-          </a:prstGeom>
-          <a:noFill/>
-        </p:spPr>
-        <p:txBody>
-          <a:bodyPr wrap="square" rtlCol="0">
-            <a:spAutoFit/>
-          </a:bodyPr>
-          <a:lstStyle/>
-          <a:p>
-            <a:r>
-              <a:rPr lang="en-CA" sz="1200" dirty="0"/>
-              <a:t>P=1.4x10</a:t>
-            </a:r>
-            <a:r>
-              <a:rPr lang="en-CA" sz="1200" baseline="30000" dirty="0"/>
-              <a:t>-5</a:t>
-            </a:r>
-            <a:endParaRPr lang="en-CA" sz="1200" dirty="0"/>
-          </a:p>
-        </p:txBody>
-      </p:sp>
-      <p:sp>
-        <p:nvSpPr>
-          <p:cNvPr id="16" name="TextBox 15">
-            <a:extLst>
-              <a:ext uri="{FF2B5EF4-FFF2-40B4-BE49-F238E27FC236}">
-                <a16:creationId xmlns:a16="http://schemas.microsoft.com/office/drawing/2014/main" id="{EE2FFD61-B1FB-45EC-B26E-1BD62AF420EF}"/>
-              </a:ext>
-            </a:extLst>
-          </p:cNvPr>
-          <p:cNvSpPr txBox="1"/>
-          <p:nvPr/>
-        </p:nvSpPr>
-        <p:spPr>
-          <a:xfrm>
-            <a:off x="9704348" y="4919053"/>
-            <a:ext cx="1589049" cy="276999"/>
-          </a:xfrm>
-          <a:prstGeom prst="rect">
-            <a:avLst/>
-          </a:prstGeom>
-          <a:noFill/>
-        </p:spPr>
-        <p:txBody>
-          <a:bodyPr wrap="square" rtlCol="0">
-            <a:spAutoFit/>
-          </a:bodyPr>
-          <a:lstStyle/>
-          <a:p>
-            <a:r>
-              <a:rPr lang="en-CA" sz="1200" dirty="0"/>
-              <a:t>P=1.1x10</a:t>
-            </a:r>
-            <a:r>
-              <a:rPr lang="en-CA" sz="1200" baseline="30000" dirty="0"/>
-              <a:t>-30</a:t>
-            </a:r>
-            <a:endParaRPr lang="en-CA" sz="1200" dirty="0"/>
-          </a:p>
-        </p:txBody>
-      </p:sp>
-      <p:sp>
-        <p:nvSpPr>
-          <p:cNvPr id="18" name="TextBox 17">
-            <a:extLst>
-              <a:ext uri="{FF2B5EF4-FFF2-40B4-BE49-F238E27FC236}">
-                <a16:creationId xmlns:a16="http://schemas.microsoft.com/office/drawing/2014/main" id="{233A0489-5A50-495C-838D-1903A9F2ED75}"/>
-              </a:ext>
-            </a:extLst>
-          </p:cNvPr>
-          <p:cNvSpPr txBox="1"/>
-          <p:nvPr/>
-        </p:nvSpPr>
-        <p:spPr>
-          <a:xfrm>
-            <a:off x="9687620" y="6459779"/>
-            <a:ext cx="1589049" cy="276999"/>
-          </a:xfrm>
-          <a:prstGeom prst="rect">
-            <a:avLst/>
-          </a:prstGeom>
-          <a:noFill/>
-        </p:spPr>
-        <p:txBody>
-          <a:bodyPr wrap="square" rtlCol="0">
-            <a:spAutoFit/>
-          </a:bodyPr>
-          <a:lstStyle/>
-          <a:p>
-            <a:r>
-              <a:rPr lang="en-CA" sz="1200" dirty="0"/>
-              <a:t>P=1.9x10</a:t>
-            </a:r>
-            <a:r>
-              <a:rPr lang="en-CA" sz="1200" baseline="30000" dirty="0"/>
-              <a:t>-36</a:t>
-            </a:r>
-            <a:endParaRPr lang="en-CA" sz="1200" dirty="0"/>
-          </a:p>
-        </p:txBody>
-      </p:sp>
     </p:spTree>
     <p:extLst>
       <p:ext uri="{BB962C8B-B14F-4D97-AF65-F5344CB8AC3E}">

--- a/Slide/2015_STATS.pptx
+++ b/Slide/2015_STATS.pptx
@@ -8252,7 +8252,7 @@
         </p:blipFill>
         <p:spPr>
           <a:xfrm>
-            <a:off x="95250" y="342368"/>
+            <a:off x="95250" y="314492"/>
             <a:ext cx="12001500" cy="6858000"/>
           </a:xfrm>
           <a:prstGeom prst="rect">

--- a/Slide/2015_STATS.pptx
+++ b/Slide/2015_STATS.pptx
@@ -6,11 +6,17 @@
   </p:sldMasterIdLst>
   <p:sldIdLst>
     <p:sldId id="256" r:id="rId2"/>
-    <p:sldId id="268" r:id="rId3"/>
-    <p:sldId id="267" r:id="rId4"/>
-    <p:sldId id="266" r:id="rId5"/>
-    <p:sldId id="265" r:id="rId6"/>
-    <p:sldId id="257" r:id="rId7"/>
+    <p:sldId id="269" r:id="rId3"/>
+    <p:sldId id="270" r:id="rId4"/>
+    <p:sldId id="271" r:id="rId5"/>
+    <p:sldId id="268" r:id="rId6"/>
+    <p:sldId id="267" r:id="rId7"/>
+    <p:sldId id="266" r:id="rId8"/>
+    <p:sldId id="265" r:id="rId9"/>
+    <p:sldId id="257" r:id="rId10"/>
+    <p:sldId id="273" r:id="rId11"/>
+    <p:sldId id="275" r:id="rId12"/>
+    <p:sldId id="277" r:id="rId13"/>
   </p:sldIdLst>
   <p:sldSz cx="12192000" cy="6858000"/>
   <p:notesSz cx="6858000" cy="9144000"/>
@@ -305,7 +311,7 @@
           <a:p>
             <a:fld id="{ED291B17-9318-49DB-B28B-6E5994AE9581}" type="datetime1">
               <a:rPr lang="en-US" smtClean="0"/>
-              <a:t>3/18/2020</a:t>
+              <a:t>3/19/20</a:t>
             </a:fld>
             <a:endParaRPr lang="en-US" dirty="0"/>
           </a:p>
@@ -643,7 +649,7 @@
           <a:p>
             <a:fld id="{ED291B17-9318-49DB-B28B-6E5994AE9581}" type="datetime1">
               <a:rPr lang="en-US" smtClean="0"/>
-              <a:t>3/18/2020</a:t>
+              <a:t>3/19/20</a:t>
             </a:fld>
             <a:endParaRPr lang="en-US" dirty="0"/>
           </a:p>
@@ -1045,7 +1051,7 @@
           <a:p>
             <a:fld id="{ED291B17-9318-49DB-B28B-6E5994AE9581}" type="datetime1">
               <a:rPr lang="en-US" smtClean="0"/>
-              <a:t>3/18/2020</a:t>
+              <a:t>3/19/20</a:t>
             </a:fld>
             <a:endParaRPr lang="en-US" dirty="0"/>
           </a:p>
@@ -1382,7 +1388,7 @@
           <a:p>
             <a:fld id="{ED291B17-9318-49DB-B28B-6E5994AE9581}" type="datetime1">
               <a:rPr lang="en-US" smtClean="0"/>
-              <a:t>3/18/2020</a:t>
+              <a:t>3/19/20</a:t>
             </a:fld>
             <a:endParaRPr lang="en-US" dirty="0"/>
           </a:p>
@@ -1703,7 +1709,7 @@
           <a:p>
             <a:fld id="{ED291B17-9318-49DB-B28B-6E5994AE9581}" type="datetime1">
               <a:rPr lang="en-US" smtClean="0"/>
-              <a:t>3/18/2020</a:t>
+              <a:t>3/19/20</a:t>
             </a:fld>
             <a:endParaRPr lang="en-US" dirty="0"/>
           </a:p>
@@ -2100,7 +2106,7 @@
           <a:p>
             <a:fld id="{ED291B17-9318-49DB-B28B-6E5994AE9581}" type="datetime1">
               <a:rPr lang="en-US" smtClean="0"/>
-              <a:t>3/18/2020</a:t>
+              <a:t>3/19/20</a:t>
             </a:fld>
             <a:endParaRPr lang="en-US" dirty="0"/>
           </a:p>
@@ -2358,7 +2364,7 @@
           <a:p>
             <a:fld id="{2CED4963-E985-44C4-B8C4-FDD613B7C2F8}" type="datetime1">
               <a:rPr lang="en-US" smtClean="0"/>
-              <a:t>3/18/2020</a:t>
+              <a:t>3/19/20</a:t>
             </a:fld>
             <a:endParaRPr lang="en-US" dirty="0"/>
           </a:p>
@@ -2620,7 +2626,7 @@
           <a:p>
             <a:fld id="{ED291B17-9318-49DB-B28B-6E5994AE9581}" type="datetime1">
               <a:rPr lang="en-US" smtClean="0"/>
-              <a:t>3/18/2020</a:t>
+              <a:t>3/19/20</a:t>
             </a:fld>
             <a:endParaRPr lang="en-US" dirty="0"/>
           </a:p>
@@ -2882,7 +2888,7 @@
           <a:p>
             <a:fld id="{78DD82B9-B8EE-4375-B6FF-88FA6ABB15D9}" type="datetime1">
               <a:rPr lang="en-US" smtClean="0"/>
-              <a:t>3/18/2020</a:t>
+              <a:t>3/19/20</a:t>
             </a:fld>
             <a:endParaRPr lang="en-US" dirty="0"/>
           </a:p>
@@ -3211,7 +3217,7 @@
           <a:p>
             <a:fld id="{B2497495-0637-405E-AE64-5CC7506D51F5}" type="datetime1">
               <a:rPr lang="en-US" smtClean="0"/>
-              <a:t>3/18/2020</a:t>
+              <a:t>3/19/20</a:t>
             </a:fld>
             <a:endParaRPr lang="en-US" dirty="0"/>
           </a:p>
@@ -3534,7 +3540,7 @@
           <a:p>
             <a:fld id="{7BFFD690-9426-415D-8B65-26881E07B2D4}" type="datetime1">
               <a:rPr lang="en-US" smtClean="0"/>
-              <a:t>3/18/2020</a:t>
+              <a:t>3/19/20</a:t>
             </a:fld>
             <a:endParaRPr lang="en-US" dirty="0"/>
           </a:p>
@@ -3991,7 +3997,7 @@
           <a:p>
             <a:fld id="{04C4989A-474C-40DE-95B9-011C28B71673}" type="datetime1">
               <a:rPr lang="en-US" smtClean="0"/>
-              <a:t>3/18/2020</a:t>
+              <a:t>3/19/20</a:t>
             </a:fld>
             <a:endParaRPr lang="en-US" dirty="0"/>
           </a:p>
@@ -4196,7 +4202,7 @@
           <a:p>
             <a:fld id="{5DB4ED54-5B5E-4A04-93D3-5772E3CE3818}" type="datetime1">
               <a:rPr lang="en-US" smtClean="0"/>
-              <a:t>3/18/2020</a:t>
+              <a:t>3/19/20</a:t>
             </a:fld>
             <a:endParaRPr lang="en-US" dirty="0"/>
           </a:p>
@@ -4373,7 +4379,7 @@
           <a:p>
             <a:fld id="{4EDE50D6-574B-40AF-946F-D52A04ADE379}" type="datetime1">
               <a:rPr lang="en-US" smtClean="0"/>
-              <a:t>3/18/2020</a:t>
+              <a:t>3/19/20</a:t>
             </a:fld>
             <a:endParaRPr lang="en-US" dirty="0"/>
           </a:p>
@@ -4706,7 +4712,7 @@
           <a:p>
             <a:fld id="{D82884F1-FFEA-405F-9602-3DCA865EDA4E}" type="datetime1">
               <a:rPr lang="en-US" smtClean="0"/>
-              <a:t>3/18/2020</a:t>
+              <a:t>3/19/20</a:t>
             </a:fld>
             <a:endParaRPr lang="en-US" dirty="0"/>
           </a:p>
@@ -5052,7 +5058,7 @@
           <a:p>
             <a:fld id="{7E18DB4A-8810-4A10-AD5C-D5E2C667F5B3}" type="datetime1">
               <a:rPr lang="en-US" smtClean="0"/>
-              <a:t>3/18/2020</a:t>
+              <a:t>3/19/20</a:t>
             </a:fld>
             <a:endParaRPr lang="en-US" dirty="0"/>
           </a:p>
@@ -7191,7 +7197,7 @@
           <a:p>
             <a:fld id="{ED291B17-9318-49DB-B28B-6E5994AE9581}" type="datetime1">
               <a:rPr lang="en-US" smtClean="0"/>
-              <a:t>3/18/2020</a:t>
+              <a:t>3/19/20</a:t>
             </a:fld>
             <a:endParaRPr lang="en-US" dirty="0"/>
           </a:p>
@@ -7965,32 +7971,9 @@
 </p:sld>
 </file>
 
-<file path=ppt/slides/slide2.xml><?xml version="1.0" encoding="utf-8"?>
+<file path=ppt/slides/slide10.xml><?xml version="1.0" encoding="utf-8"?>
 <p:sld xmlns:a="http://schemas.openxmlformats.org/drawingml/2006/main" xmlns:r="http://schemas.openxmlformats.org/officeDocument/2006/relationships" xmlns:p="http://schemas.openxmlformats.org/presentationml/2006/main">
   <p:cSld>
-    <p:bg>
-      <p:bgPr>
-        <a:gradFill flip="none" rotWithShape="1">
-          <a:gsLst>
-            <a:gs pos="83698">
-              <a:srgbClr val="FBFBFA"/>
-            </a:gs>
-            <a:gs pos="100000">
-              <a:schemeClr val="bg1">
-                <a:alpha val="84000"/>
-                <a:lumMod val="70000"/>
-                <a:lumOff val="30000"/>
-              </a:schemeClr>
-            </a:gs>
-          </a:gsLst>
-          <a:path path="circle">
-            <a:fillToRect l="50000" t="50000" r="100000" b="100000"/>
-          </a:path>
-          <a:tileRect/>
-        </a:gradFill>
-        <a:effectLst/>
-      </p:bgPr>
-    </p:bg>
     <p:spTree>
       <p:nvGrpSpPr>
         <p:cNvPr id="1" name=""/>
@@ -8005,237 +7988,12 @@
           <a:chExt cx="0" cy="0"/>
         </a:xfrm>
       </p:grpSpPr>
-      <p:sp>
-        <p:nvSpPr>
-          <p:cNvPr id="15" name="Rectangle 14">
+      <p:pic>
+        <p:nvPicPr>
+          <p:cNvPr id="7" name="Picture 6" descr="A screenshot of a cell phone&#10;&#10;Description automatically generated">
             <a:extLst>
               <a:ext uri="{FF2B5EF4-FFF2-40B4-BE49-F238E27FC236}">
-                <a16:creationId xmlns:a16="http://schemas.microsoft.com/office/drawing/2014/main" id="{403B66E7-26A9-495E-AB36-01DBB8DAA62C}"/>
-              </a:ext>
-            </a:extLst>
-          </p:cNvPr>
-          <p:cNvSpPr/>
-          <p:nvPr/>
-        </p:nvSpPr>
-        <p:spPr>
-          <a:xfrm>
-            <a:off x="1679785" y="708567"/>
-            <a:ext cx="9231684" cy="461665"/>
-          </a:xfrm>
-          <a:prstGeom prst="rect">
-            <a:avLst/>
-          </a:prstGeom>
-        </p:spPr>
-        <p:txBody>
-          <a:bodyPr wrap="square">
-            <a:spAutoFit/>
-          </a:bodyPr>
-          <a:lstStyle/>
-          <a:p>
-            <a:pPr marL="0" marR="0" lvl="0" indent="0" algn="l" defTabSz="457200" rtl="0" eaLnBrk="1" fontAlgn="auto" latinLnBrk="0" hangingPunct="1">
-              <a:lnSpc>
-                <a:spcPct val="100000"/>
-              </a:lnSpc>
-              <a:spcBef>
-                <a:spcPts val="0"/>
-              </a:spcBef>
-              <a:spcAft>
-                <a:spcPts val="0"/>
-              </a:spcAft>
-              <a:buClrTx/>
-              <a:buSzTx/>
-              <a:buFontTx/>
-              <a:buNone/>
-              <a:tabLst/>
-              <a:defRPr/>
-            </a:pPr>
-            <a:r>
-              <a:rPr lang="en-US" sz="2400" dirty="0">
-                <a:solidFill>
-                  <a:srgbClr val="000000"/>
-                </a:solidFill>
-                <a:latin typeface="Century Gothic" panose="020B0502020202020204"/>
-              </a:rPr>
-              <a:t> %Population by Highest Education Level</a:t>
-            </a:r>
-            <a:endParaRPr kumimoji="0" lang="en-CA" sz="2400" b="0" i="0" u="none" strike="noStrike" kern="1200" cap="none" spc="0" normalizeH="0" baseline="0" noProof="0" dirty="0">
-              <a:ln>
-                <a:noFill/>
-              </a:ln>
-              <a:solidFill>
-                <a:srgbClr val="000000"/>
-              </a:solidFill>
-              <a:effectLst/>
-              <a:uLnTx/>
-              <a:uFillTx/>
-              <a:latin typeface="Century Gothic" panose="020B0502020202020204"/>
-              <a:ea typeface="+mn-ea"/>
-              <a:cs typeface="+mn-cs"/>
-            </a:endParaRPr>
-          </a:p>
-        </p:txBody>
-      </p:sp>
-      <p:sp>
-        <p:nvSpPr>
-          <p:cNvPr id="10" name="TextBox 9">
-            <a:extLst>
-              <a:ext uri="{FF2B5EF4-FFF2-40B4-BE49-F238E27FC236}">
-                <a16:creationId xmlns:a16="http://schemas.microsoft.com/office/drawing/2014/main" id="{4AF68A73-AC1E-4AEF-8EA9-E2593DC360A8}"/>
-              </a:ext>
-            </a:extLst>
-          </p:cNvPr>
-          <p:cNvSpPr txBox="1"/>
-          <p:nvPr/>
-        </p:nvSpPr>
-        <p:spPr>
-          <a:xfrm>
-            <a:off x="9740590" y="2235173"/>
-            <a:ext cx="758283" cy="276999"/>
-          </a:xfrm>
-          <a:prstGeom prst="rect">
-            <a:avLst/>
-          </a:prstGeom>
-          <a:noFill/>
-        </p:spPr>
-        <p:txBody>
-          <a:bodyPr wrap="square" rtlCol="0">
-            <a:spAutoFit/>
-          </a:bodyPr>
-          <a:lstStyle/>
-          <a:p>
-            <a:r>
-              <a:rPr lang="en-CA" sz="1200" dirty="0"/>
-              <a:t>P=0.29</a:t>
-            </a:r>
-          </a:p>
-        </p:txBody>
-      </p:sp>
-      <p:sp>
-        <p:nvSpPr>
-          <p:cNvPr id="14" name="TextBox 13">
-            <a:extLst>
-              <a:ext uri="{FF2B5EF4-FFF2-40B4-BE49-F238E27FC236}">
-                <a16:creationId xmlns:a16="http://schemas.microsoft.com/office/drawing/2014/main" id="{13FD781D-4C4F-4A9C-B40C-9FCE4BEF3FDA}"/>
-              </a:ext>
-            </a:extLst>
-          </p:cNvPr>
-          <p:cNvSpPr txBox="1"/>
-          <p:nvPr/>
-        </p:nvSpPr>
-        <p:spPr>
-          <a:xfrm>
-            <a:off x="9740590" y="3577113"/>
-            <a:ext cx="1589049" cy="276999"/>
-          </a:xfrm>
-          <a:prstGeom prst="rect">
-            <a:avLst/>
-          </a:prstGeom>
-          <a:noFill/>
-        </p:spPr>
-        <p:txBody>
-          <a:bodyPr wrap="square" rtlCol="0">
-            <a:spAutoFit/>
-          </a:bodyPr>
-          <a:lstStyle/>
-          <a:p>
-            <a:r>
-              <a:rPr lang="en-CA" sz="1200" dirty="0"/>
-              <a:t>P=1.4x10</a:t>
-            </a:r>
-            <a:r>
-              <a:rPr lang="en-CA" sz="1200" baseline="30000" dirty="0"/>
-              <a:t>-5</a:t>
-            </a:r>
-            <a:endParaRPr lang="en-CA" sz="1200" dirty="0"/>
-          </a:p>
-        </p:txBody>
-      </p:sp>
-      <p:sp>
-        <p:nvSpPr>
-          <p:cNvPr id="16" name="TextBox 15">
-            <a:extLst>
-              <a:ext uri="{FF2B5EF4-FFF2-40B4-BE49-F238E27FC236}">
-                <a16:creationId xmlns:a16="http://schemas.microsoft.com/office/drawing/2014/main" id="{EE2FFD61-B1FB-45EC-B26E-1BD62AF420EF}"/>
-              </a:ext>
-            </a:extLst>
-          </p:cNvPr>
-          <p:cNvSpPr txBox="1"/>
-          <p:nvPr/>
-        </p:nvSpPr>
-        <p:spPr>
-          <a:xfrm>
-            <a:off x="9704348" y="4919053"/>
-            <a:ext cx="1589049" cy="276999"/>
-          </a:xfrm>
-          <a:prstGeom prst="rect">
-            <a:avLst/>
-          </a:prstGeom>
-          <a:noFill/>
-        </p:spPr>
-        <p:txBody>
-          <a:bodyPr wrap="square" rtlCol="0">
-            <a:spAutoFit/>
-          </a:bodyPr>
-          <a:lstStyle/>
-          <a:p>
-            <a:r>
-              <a:rPr lang="en-CA" sz="1200" dirty="0"/>
-              <a:t>P=1.1x10</a:t>
-            </a:r>
-            <a:r>
-              <a:rPr lang="en-CA" sz="1200" baseline="30000" dirty="0"/>
-              <a:t>-30</a:t>
-            </a:r>
-            <a:endParaRPr lang="en-CA" sz="1200" dirty="0"/>
-          </a:p>
-        </p:txBody>
-      </p:sp>
-      <p:sp>
-        <p:nvSpPr>
-          <p:cNvPr id="18" name="TextBox 17">
-            <a:extLst>
-              <a:ext uri="{FF2B5EF4-FFF2-40B4-BE49-F238E27FC236}">
-                <a16:creationId xmlns:a16="http://schemas.microsoft.com/office/drawing/2014/main" id="{233A0489-5A50-495C-838D-1903A9F2ED75}"/>
-              </a:ext>
-            </a:extLst>
-          </p:cNvPr>
-          <p:cNvSpPr txBox="1"/>
-          <p:nvPr/>
-        </p:nvSpPr>
-        <p:spPr>
-          <a:xfrm>
-            <a:off x="9687620" y="6459779"/>
-            <a:ext cx="1589049" cy="276999"/>
-          </a:xfrm>
-          <a:prstGeom prst="rect">
-            <a:avLst/>
-          </a:prstGeom>
-          <a:noFill/>
-        </p:spPr>
-        <p:txBody>
-          <a:bodyPr wrap="square" rtlCol="0">
-            <a:spAutoFit/>
-          </a:bodyPr>
-          <a:lstStyle/>
-          <a:p>
-            <a:r>
-              <a:rPr lang="en-CA" sz="1200" dirty="0"/>
-              <a:t>P=1.9x10</a:t>
-            </a:r>
-            <a:r>
-              <a:rPr lang="en-CA" sz="1200" baseline="30000" dirty="0"/>
-              <a:t>-36</a:t>
-            </a:r>
-            <a:endParaRPr lang="en-CA" sz="1200" dirty="0"/>
-          </a:p>
-        </p:txBody>
-      </p:sp>
-      <p:pic>
-        <p:nvPicPr>
-          <p:cNvPr id="12" name="Picture 11" descr="A screen shot of a computer&#10;&#10;Description automatically generated">
-            <a:extLst>
-              <a:ext uri="{FF2B5EF4-FFF2-40B4-BE49-F238E27FC236}">
-                <a16:creationId xmlns:a16="http://schemas.microsoft.com/office/drawing/2014/main" id="{9EBEA8B0-160B-4363-A355-9741A7B190EF}"/>
+                <a16:creationId xmlns:a16="http://schemas.microsoft.com/office/drawing/2014/main" id="{F35C076B-E68B-AD48-B613-DCA025EC171C}"/>
               </a:ext>
             </a:extLst>
           </p:cNvPr>
@@ -8252,18 +8010,83 @@
         </p:blipFill>
         <p:spPr>
           <a:xfrm>
-            <a:off x="95250" y="314492"/>
-            <a:ext cx="12001500" cy="6858000"/>
+            <a:off x="1736579" y="848849"/>
+            <a:ext cx="5092700" cy="4203700"/>
           </a:xfrm>
           <a:prstGeom prst="rect">
             <a:avLst/>
           </a:prstGeom>
         </p:spPr>
       </p:pic>
+      <p:pic>
+        <p:nvPicPr>
+          <p:cNvPr id="9" name="Picture 8" descr="A screenshot of a cell phone&#10;&#10;Description automatically generated">
+            <a:extLst>
+              <a:ext uri="{FF2B5EF4-FFF2-40B4-BE49-F238E27FC236}">
+                <a16:creationId xmlns:a16="http://schemas.microsoft.com/office/drawing/2014/main" id="{9BACFDFA-DCDA-224F-9D38-0E0ADBE92429}"/>
+              </a:ext>
+            </a:extLst>
+          </p:cNvPr>
+          <p:cNvPicPr>
+            <a:picLocks noChangeAspect="1"/>
+          </p:cNvPicPr>
+          <p:nvPr/>
+        </p:nvPicPr>
+        <p:blipFill>
+          <a:blip r:embed="rId3"/>
+          <a:stretch>
+            <a:fillRect/>
+          </a:stretch>
+        </p:blipFill>
+        <p:spPr>
+          <a:xfrm>
+            <a:off x="6829279" y="848849"/>
+            <a:ext cx="5257800" cy="5499100"/>
+          </a:xfrm>
+          <a:prstGeom prst="rect">
+            <a:avLst/>
+          </a:prstGeom>
+        </p:spPr>
+      </p:pic>
+      <p:sp>
+        <p:nvSpPr>
+          <p:cNvPr id="11" name="Rectangle 10">
+            <a:extLst>
+              <a:ext uri="{FF2B5EF4-FFF2-40B4-BE49-F238E27FC236}">
+                <a16:creationId xmlns:a16="http://schemas.microsoft.com/office/drawing/2014/main" id="{D83F8DA3-1694-B142-9FD8-9EFF0A948828}"/>
+              </a:ext>
+            </a:extLst>
+          </p:cNvPr>
+          <p:cNvSpPr/>
+          <p:nvPr/>
+        </p:nvSpPr>
+        <p:spPr>
+          <a:xfrm>
+            <a:off x="3362179" y="186885"/>
+            <a:ext cx="6096000" cy="369332"/>
+          </a:xfrm>
+          <a:prstGeom prst="rect">
+            <a:avLst/>
+          </a:prstGeom>
+        </p:spPr>
+        <p:txBody>
+          <a:bodyPr>
+            <a:spAutoFit/>
+          </a:bodyPr>
+          <a:lstStyle/>
+          <a:p>
+            <a:pPr algn="ctr"/>
+            <a:r>
+              <a:rPr lang="en-US" dirty="0"/>
+              <a:t>General Outlook</a:t>
+            </a:r>
+          </a:p>
+        </p:txBody>
+      </p:sp>
     </p:spTree>
     <p:extLst>
       <p:ext uri="{BB962C8B-B14F-4D97-AF65-F5344CB8AC3E}">
-        <p14:creationId xmlns:p14="http://schemas.microsoft.com/office/powerpoint/2010/main" val="3811565196"/>
+        <p14:creationId xmlns:p14="http://schemas.microsoft.com/office/powerpoint/2010/main" val="132517152"/>
       </p:ext>
     </p:extLst>
   </p:cSld>
@@ -8273,32 +8096,9 @@
 </p:sld>
 </file>
 
-<file path=ppt/slides/slide3.xml><?xml version="1.0" encoding="utf-8"?>
+<file path=ppt/slides/slide11.xml><?xml version="1.0" encoding="utf-8"?>
 <p:sld xmlns:a="http://schemas.openxmlformats.org/drawingml/2006/main" xmlns:r="http://schemas.openxmlformats.org/officeDocument/2006/relationships" xmlns:p="http://schemas.openxmlformats.org/presentationml/2006/main">
   <p:cSld>
-    <p:bg>
-      <p:bgPr>
-        <a:gradFill flip="none" rotWithShape="1">
-          <a:gsLst>
-            <a:gs pos="83698">
-              <a:srgbClr val="FBFBFA"/>
-            </a:gs>
-            <a:gs pos="100000">
-              <a:schemeClr val="bg1">
-                <a:alpha val="84000"/>
-                <a:lumMod val="70000"/>
-                <a:lumOff val="30000"/>
-              </a:schemeClr>
-            </a:gs>
-          </a:gsLst>
-          <a:path path="circle">
-            <a:fillToRect l="50000" t="50000" r="100000" b="100000"/>
-          </a:path>
-          <a:tileRect/>
-        </a:gradFill>
-        <a:effectLst/>
-      </p:bgPr>
-    </p:bg>
     <p:spTree>
       <p:nvGrpSpPr>
         <p:cNvPr id="1" name=""/>
@@ -8313,90 +8113,12 @@
           <a:chExt cx="0" cy="0"/>
         </a:xfrm>
       </p:grpSpPr>
-      <p:sp>
-        <p:nvSpPr>
-          <p:cNvPr id="15" name="Rectangle 14">
+      <p:pic>
+        <p:nvPicPr>
+          <p:cNvPr id="4" name="Picture 3" descr="A screenshot of a cell phone&#10;&#10;Description automatically generated">
             <a:extLst>
               <a:ext uri="{FF2B5EF4-FFF2-40B4-BE49-F238E27FC236}">
-                <a16:creationId xmlns:a16="http://schemas.microsoft.com/office/drawing/2014/main" id="{403B66E7-26A9-495E-AB36-01DBB8DAA62C}"/>
-              </a:ext>
-            </a:extLst>
-          </p:cNvPr>
-          <p:cNvSpPr/>
-          <p:nvPr/>
-        </p:nvSpPr>
-        <p:spPr>
-          <a:xfrm>
-            <a:off x="1668633" y="708567"/>
-            <a:ext cx="9265138" cy="461665"/>
-          </a:xfrm>
-          <a:prstGeom prst="rect">
-            <a:avLst/>
-          </a:prstGeom>
-        </p:spPr>
-        <p:txBody>
-          <a:bodyPr wrap="square">
-            <a:spAutoFit/>
-          </a:bodyPr>
-          <a:lstStyle/>
-          <a:p>
-            <a:pPr marL="0" marR="0" lvl="0" indent="0" algn="l" defTabSz="457200" rtl="0" eaLnBrk="1" fontAlgn="auto" latinLnBrk="0" hangingPunct="1">
-              <a:lnSpc>
-                <a:spcPct val="100000"/>
-              </a:lnSpc>
-              <a:spcBef>
-                <a:spcPts val="0"/>
-              </a:spcBef>
-              <a:spcAft>
-                <a:spcPts val="0"/>
-              </a:spcAft>
-              <a:buClrTx/>
-              <a:buSzTx/>
-              <a:buFontTx/>
-              <a:buNone/>
-              <a:tabLst/>
-              <a:defRPr/>
-            </a:pPr>
-            <a:r>
-              <a:rPr kumimoji="0" lang="en-US" sz="2400" b="0" i="0" u="none" strike="noStrike" kern="1200" cap="none" spc="0" normalizeH="0" baseline="0" noProof="0" dirty="0">
-                <a:ln>
-                  <a:noFill/>
-                </a:ln>
-                <a:solidFill>
-                  <a:srgbClr val="000000"/>
-                </a:solidFill>
-                <a:effectLst/>
-                <a:uLnTx/>
-                <a:uFillTx/>
-                <a:latin typeface="Century Gothic" panose="020B0502020202020204"/>
-                <a:ea typeface="+mn-ea"/>
-                <a:cs typeface="+mn-cs"/>
-              </a:rPr>
-              <a:t>Riding Age Demographics, Grouped by Party</a:t>
-            </a:r>
-            <a:endParaRPr kumimoji="0" lang="en-CA" sz="2400" b="0" i="0" u="none" strike="noStrike" kern="1200" cap="none" spc="0" normalizeH="0" baseline="0" noProof="0" dirty="0">
-              <a:ln>
-                <a:noFill/>
-              </a:ln>
-              <a:solidFill>
-                <a:srgbClr val="000000"/>
-              </a:solidFill>
-              <a:effectLst/>
-              <a:uLnTx/>
-              <a:uFillTx/>
-              <a:latin typeface="Century Gothic" panose="020B0502020202020204"/>
-              <a:ea typeface="+mn-ea"/>
-              <a:cs typeface="+mn-cs"/>
-            </a:endParaRPr>
-          </a:p>
-        </p:txBody>
-      </p:sp>
-      <p:pic>
-        <p:nvPicPr>
-          <p:cNvPr id="3" name="Picture 2" descr="A picture containing screen, computer, sitting, table&#10;&#10;Description automatically generated">
-            <a:extLst>
-              <a:ext uri="{FF2B5EF4-FFF2-40B4-BE49-F238E27FC236}">
-                <a16:creationId xmlns:a16="http://schemas.microsoft.com/office/drawing/2014/main" id="{4D515FC6-DEDE-4C8D-8F9B-77C048F530A3}"/>
+                <a16:creationId xmlns:a16="http://schemas.microsoft.com/office/drawing/2014/main" id="{C74FCBE7-6803-EA4E-9668-7D4B5089BE7E}"/>
               </a:ext>
             </a:extLst>
           </p:cNvPr>
@@ -8413,178 +8135,18 @@
         </p:blipFill>
         <p:spPr>
           <a:xfrm>
-            <a:off x="95250" y="312234"/>
-            <a:ext cx="12001500" cy="6858000"/>
+            <a:off x="2778369" y="1217246"/>
+            <a:ext cx="6635262" cy="4423508"/>
           </a:xfrm>
           <a:prstGeom prst="rect">
             <a:avLst/>
           </a:prstGeom>
         </p:spPr>
       </p:pic>
-      <p:sp>
-        <p:nvSpPr>
-          <p:cNvPr id="6" name="TextBox 5">
-            <a:extLst>
-              <a:ext uri="{FF2B5EF4-FFF2-40B4-BE49-F238E27FC236}">
-                <a16:creationId xmlns:a16="http://schemas.microsoft.com/office/drawing/2014/main" id="{B2572652-B30C-41E9-900B-C002E6E003C2}"/>
-              </a:ext>
-            </a:extLst>
-          </p:cNvPr>
-          <p:cNvSpPr txBox="1"/>
-          <p:nvPr/>
-        </p:nvSpPr>
-        <p:spPr>
-          <a:xfrm>
-            <a:off x="9821435" y="2231610"/>
-            <a:ext cx="1589049" cy="276999"/>
-          </a:xfrm>
-          <a:prstGeom prst="rect">
-            <a:avLst/>
-          </a:prstGeom>
-          <a:noFill/>
-        </p:spPr>
-        <p:txBody>
-          <a:bodyPr wrap="square" rtlCol="0">
-            <a:spAutoFit/>
-          </a:bodyPr>
-          <a:lstStyle/>
-          <a:p>
-            <a:r>
-              <a:rPr lang="en-CA" sz="1200" dirty="0"/>
-              <a:t>P=2.2x10</a:t>
-            </a:r>
-            <a:r>
-              <a:rPr lang="en-CA" sz="1200" baseline="30000" dirty="0"/>
-              <a:t>-20</a:t>
-            </a:r>
-            <a:endParaRPr lang="en-CA" sz="1200" dirty="0"/>
-          </a:p>
-        </p:txBody>
-      </p:sp>
-      <p:sp>
-        <p:nvSpPr>
-          <p:cNvPr id="7" name="TextBox 6">
-            <a:extLst>
-              <a:ext uri="{FF2B5EF4-FFF2-40B4-BE49-F238E27FC236}">
-                <a16:creationId xmlns:a16="http://schemas.microsoft.com/office/drawing/2014/main" id="{9955157D-937B-4F8B-9A2C-A10DB1C85BA2}"/>
-              </a:ext>
-            </a:extLst>
-          </p:cNvPr>
-          <p:cNvSpPr txBox="1"/>
-          <p:nvPr/>
-        </p:nvSpPr>
-        <p:spPr>
-          <a:xfrm>
-            <a:off x="9821435" y="4924628"/>
-            <a:ext cx="1589049" cy="276999"/>
-          </a:xfrm>
-          <a:prstGeom prst="rect">
-            <a:avLst/>
-          </a:prstGeom>
-          <a:noFill/>
-        </p:spPr>
-        <p:txBody>
-          <a:bodyPr wrap="square" rtlCol="0">
-            <a:spAutoFit/>
-          </a:bodyPr>
-          <a:lstStyle/>
-          <a:p>
-            <a:r>
-              <a:rPr lang="en-CA" sz="1200" dirty="0"/>
-              <a:t>P=7.3x10</a:t>
-            </a:r>
-            <a:r>
-              <a:rPr lang="en-CA" sz="1200" baseline="30000" dirty="0"/>
-              <a:t>-120</a:t>
-            </a:r>
-            <a:endParaRPr lang="en-CA" sz="1200" dirty="0"/>
-          </a:p>
-        </p:txBody>
-      </p:sp>
-      <p:sp>
-        <p:nvSpPr>
-          <p:cNvPr id="8" name="TextBox 7">
-            <a:extLst>
-              <a:ext uri="{FF2B5EF4-FFF2-40B4-BE49-F238E27FC236}">
-                <a16:creationId xmlns:a16="http://schemas.microsoft.com/office/drawing/2014/main" id="{D766C696-B401-44F3-950A-05E351D7397D}"/>
-              </a:ext>
-            </a:extLst>
-          </p:cNvPr>
-          <p:cNvSpPr txBox="1"/>
-          <p:nvPr/>
-        </p:nvSpPr>
-        <p:spPr>
-          <a:xfrm>
-            <a:off x="9821434" y="3569987"/>
-            <a:ext cx="1589049" cy="276999"/>
-          </a:xfrm>
-          <a:prstGeom prst="rect">
-            <a:avLst/>
-          </a:prstGeom>
-          <a:noFill/>
-        </p:spPr>
-        <p:txBody>
-          <a:bodyPr wrap="square" rtlCol="0">
-            <a:spAutoFit/>
-          </a:bodyPr>
-          <a:lstStyle/>
-          <a:p>
-            <a:r>
-              <a:rPr lang="en-CA" sz="1200" dirty="0"/>
-              <a:t>P=5.2x10</a:t>
-            </a:r>
-            <a:r>
-              <a:rPr lang="en-CA" sz="1200" baseline="30000" dirty="0"/>
-              <a:t>-54</a:t>
-            </a:r>
-            <a:endParaRPr lang="en-CA" sz="1200" dirty="0"/>
-          </a:p>
-        </p:txBody>
-      </p:sp>
-      <p:sp>
-        <p:nvSpPr>
-          <p:cNvPr id="9" name="TextBox 8">
-            <a:extLst>
-              <a:ext uri="{FF2B5EF4-FFF2-40B4-BE49-F238E27FC236}">
-                <a16:creationId xmlns:a16="http://schemas.microsoft.com/office/drawing/2014/main" id="{EAE42DA6-DF76-4C2C-ABFF-80FD87EF2E7B}"/>
-              </a:ext>
-            </a:extLst>
-          </p:cNvPr>
-          <p:cNvSpPr txBox="1"/>
-          <p:nvPr/>
-        </p:nvSpPr>
-        <p:spPr>
-          <a:xfrm>
-            <a:off x="9821433" y="6446770"/>
-            <a:ext cx="1589049" cy="276999"/>
-          </a:xfrm>
-          <a:prstGeom prst="rect">
-            <a:avLst/>
-          </a:prstGeom>
-          <a:noFill/>
-        </p:spPr>
-        <p:txBody>
-          <a:bodyPr wrap="square" rtlCol="0">
-            <a:spAutoFit/>
-          </a:bodyPr>
-          <a:lstStyle/>
-          <a:p>
-            <a:r>
-              <a:rPr lang="en-CA" sz="1200" dirty="0"/>
-              <a:t>P=2.9x10</a:t>
-            </a:r>
-            <a:r>
-              <a:rPr lang="en-CA" sz="1200" baseline="30000" dirty="0"/>
-              <a:t>-196</a:t>
-            </a:r>
-            <a:endParaRPr lang="en-CA" sz="1200" dirty="0"/>
-          </a:p>
-        </p:txBody>
-      </p:sp>
     </p:spTree>
     <p:extLst>
       <p:ext uri="{BB962C8B-B14F-4D97-AF65-F5344CB8AC3E}">
-        <p14:creationId xmlns:p14="http://schemas.microsoft.com/office/powerpoint/2010/main" val="1764613719"/>
+        <p14:creationId xmlns:p14="http://schemas.microsoft.com/office/powerpoint/2010/main" val="448608959"/>
       </p:ext>
     </p:extLst>
   </p:cSld>
@@ -8594,32 +8156,9 @@
 </p:sld>
 </file>
 
-<file path=ppt/slides/slide4.xml><?xml version="1.0" encoding="utf-8"?>
+<file path=ppt/slides/slide12.xml><?xml version="1.0" encoding="utf-8"?>
 <p:sld xmlns:a="http://schemas.openxmlformats.org/drawingml/2006/main" xmlns:r="http://schemas.openxmlformats.org/officeDocument/2006/relationships" xmlns:p="http://schemas.openxmlformats.org/presentationml/2006/main">
   <p:cSld>
-    <p:bg>
-      <p:bgPr>
-        <a:gradFill flip="none" rotWithShape="1">
-          <a:gsLst>
-            <a:gs pos="83698">
-              <a:srgbClr val="FBFBFA"/>
-            </a:gs>
-            <a:gs pos="100000">
-              <a:schemeClr val="bg1">
-                <a:alpha val="84000"/>
-                <a:lumMod val="70000"/>
-                <a:lumOff val="30000"/>
-              </a:schemeClr>
-            </a:gs>
-          </a:gsLst>
-          <a:path path="circle">
-            <a:fillToRect l="50000" t="50000" r="100000" b="100000"/>
-          </a:path>
-          <a:tileRect/>
-        </a:gradFill>
-        <a:effectLst/>
-      </p:bgPr>
-    </p:bg>
     <p:spTree>
       <p:nvGrpSpPr>
         <p:cNvPr id="1" name=""/>
@@ -8634,76 +8173,12 @@
           <a:chExt cx="0" cy="0"/>
         </a:xfrm>
       </p:grpSpPr>
-      <p:sp>
-        <p:nvSpPr>
-          <p:cNvPr id="15" name="Rectangle 14">
+      <p:pic>
+        <p:nvPicPr>
+          <p:cNvPr id="13" name="Picture 12" descr="A picture containing bird&#10;&#10;Description automatically generated">
             <a:extLst>
               <a:ext uri="{FF2B5EF4-FFF2-40B4-BE49-F238E27FC236}">
-                <a16:creationId xmlns:a16="http://schemas.microsoft.com/office/drawing/2014/main" id="{403B66E7-26A9-495E-AB36-01DBB8DAA62C}"/>
-              </a:ext>
-            </a:extLst>
-          </p:cNvPr>
-          <p:cNvSpPr/>
-          <p:nvPr/>
-        </p:nvSpPr>
-        <p:spPr>
-          <a:xfrm>
-            <a:off x="1668633" y="708567"/>
-            <a:ext cx="7168708" cy="461665"/>
-          </a:xfrm>
-          <a:prstGeom prst="rect">
-            <a:avLst/>
-          </a:prstGeom>
-        </p:spPr>
-        <p:txBody>
-          <a:bodyPr wrap="square">
-            <a:spAutoFit/>
-          </a:bodyPr>
-          <a:lstStyle/>
-          <a:p>
-            <a:pPr marL="0" marR="0" lvl="0" indent="0" algn="l" defTabSz="457200" rtl="0" eaLnBrk="1" fontAlgn="auto" latinLnBrk="0" hangingPunct="1">
-              <a:lnSpc>
-                <a:spcPct val="100000"/>
-              </a:lnSpc>
-              <a:spcBef>
-                <a:spcPts val="0"/>
-              </a:spcBef>
-              <a:spcAft>
-                <a:spcPts val="0"/>
-              </a:spcAft>
-              <a:buClrTx/>
-              <a:buSzTx/>
-              <a:buFontTx/>
-              <a:buNone/>
-              <a:tabLst/>
-              <a:defRPr/>
-            </a:pPr>
-            <a:r>
-              <a:rPr kumimoji="0" lang="en-CA" sz="2400" b="0" i="0" u="none" strike="noStrike" kern="1200" cap="none" spc="0" normalizeH="0" baseline="0" noProof="0" dirty="0">
-                <a:ln>
-                  <a:noFill/>
-                </a:ln>
-                <a:solidFill>
-                  <a:srgbClr val="000000"/>
-                </a:solidFill>
-                <a:effectLst/>
-                <a:uLnTx/>
-                <a:uFillTx/>
-                <a:latin typeface="Century Gothic" panose="020B0502020202020204"/>
-                <a:ea typeface="+mn-ea"/>
-                <a:cs typeface="+mn-cs"/>
-              </a:rPr>
-              <a:t>Male &amp; Female Vote Totals Analyzed by Party</a:t>
-            </a:r>
-          </a:p>
-        </p:txBody>
-      </p:sp>
-      <p:pic>
-        <p:nvPicPr>
-          <p:cNvPr id="5" name="Picture 4" descr="A picture containing object&#10;&#10;Description automatically generated">
-            <a:extLst>
-              <a:ext uri="{FF2B5EF4-FFF2-40B4-BE49-F238E27FC236}">
-                <a16:creationId xmlns:a16="http://schemas.microsoft.com/office/drawing/2014/main" id="{E99EB36E-0534-42CA-9A86-81B77FFAA032}"/>
+                <a16:creationId xmlns:a16="http://schemas.microsoft.com/office/drawing/2014/main" id="{3FC8E6D5-CD51-5F46-AD8C-22529BA0C533}"/>
               </a:ext>
             </a:extLst>
           </p:cNvPr>
@@ -8720,88 +8195,429 @@
         </p:blipFill>
         <p:spPr>
           <a:xfrm>
-            <a:off x="196076" y="301083"/>
-            <a:ext cx="12001500" cy="6858000"/>
+            <a:off x="7112393" y="3056206"/>
+            <a:ext cx="4069080" cy="4069080"/>
           </a:xfrm>
           <a:prstGeom prst="rect">
             <a:avLst/>
           </a:prstGeom>
         </p:spPr>
       </p:pic>
-      <p:sp>
-        <p:nvSpPr>
-          <p:cNvPr id="8" name="TextBox 7">
+      <p:pic>
+        <p:nvPicPr>
+          <p:cNvPr id="15" name="Picture 14" descr="A screenshot of a cell phone&#10;&#10;Description automatically generated">
             <a:extLst>
               <a:ext uri="{FF2B5EF4-FFF2-40B4-BE49-F238E27FC236}">
-                <a16:creationId xmlns:a16="http://schemas.microsoft.com/office/drawing/2014/main" id="{89299FB2-7C14-4327-99FD-66D1A3133F14}"/>
+                <a16:creationId xmlns:a16="http://schemas.microsoft.com/office/drawing/2014/main" id="{9D7F2C48-F876-B442-A686-1FE9FB62AC85}"/>
               </a:ext>
             </a:extLst>
           </p:cNvPr>
-          <p:cNvSpPr txBox="1"/>
+          <p:cNvPicPr>
+            <a:picLocks noChangeAspect="1"/>
+          </p:cNvPicPr>
           <p:nvPr/>
-        </p:nvSpPr>
+        </p:nvPicPr>
+        <p:blipFill>
+          <a:blip r:embed="rId3"/>
+          <a:stretch>
+            <a:fillRect/>
+          </a:stretch>
+        </p:blipFill>
         <p:spPr>
           <a:xfrm>
-            <a:off x="9709922" y="3519575"/>
-            <a:ext cx="1589049" cy="276999"/>
+            <a:off x="1058592" y="3056205"/>
+            <a:ext cx="4069081" cy="4069081"/>
+          </a:xfrm>
+          <a:prstGeom prst="rect">
+            <a:avLst/>
+          </a:prstGeom>
+        </p:spPr>
+      </p:pic>
+      <p:pic>
+        <p:nvPicPr>
+          <p:cNvPr id="17" name="Picture 16" descr="A screenshot of a cell phone&#10;&#10;Description automatically generated">
+            <a:extLst>
+              <a:ext uri="{FF2B5EF4-FFF2-40B4-BE49-F238E27FC236}">
+                <a16:creationId xmlns:a16="http://schemas.microsoft.com/office/drawing/2014/main" id="{57EBA591-68B5-F14D-A0EE-687EE90E8EC5}"/>
+              </a:ext>
+            </a:extLst>
+          </p:cNvPr>
+          <p:cNvPicPr>
+            <a:picLocks noChangeAspect="1"/>
+          </p:cNvPicPr>
+          <p:nvPr/>
+        </p:nvPicPr>
+        <p:blipFill>
+          <a:blip r:embed="rId4"/>
+          <a:stretch>
+            <a:fillRect/>
+          </a:stretch>
+        </p:blipFill>
+        <p:spPr>
+          <a:xfrm>
+            <a:off x="1154723" y="-364591"/>
+            <a:ext cx="4069081" cy="4069081"/>
+          </a:xfrm>
+          <a:prstGeom prst="rect">
+            <a:avLst/>
+          </a:prstGeom>
+        </p:spPr>
+      </p:pic>
+      <p:pic>
+        <p:nvPicPr>
+          <p:cNvPr id="19" name="Picture 18" descr="A screenshot of a cell phone&#10;&#10;Description automatically generated">
+            <a:extLst>
+              <a:ext uri="{FF2B5EF4-FFF2-40B4-BE49-F238E27FC236}">
+                <a16:creationId xmlns:a16="http://schemas.microsoft.com/office/drawing/2014/main" id="{3061B2D6-F7EC-0941-AD5C-706FB90A756A}"/>
+              </a:ext>
+            </a:extLst>
+          </p:cNvPr>
+          <p:cNvPicPr>
+            <a:picLocks noChangeAspect="1"/>
+          </p:cNvPicPr>
+          <p:nvPr/>
+        </p:nvPicPr>
+        <p:blipFill>
+          <a:blip r:embed="rId5"/>
+          <a:stretch>
+            <a:fillRect/>
+          </a:stretch>
+        </p:blipFill>
+        <p:spPr>
+          <a:xfrm>
+            <a:off x="7112393" y="-364591"/>
+            <a:ext cx="4069081" cy="4069081"/>
+          </a:xfrm>
+          <a:prstGeom prst="rect">
+            <a:avLst/>
+          </a:prstGeom>
+        </p:spPr>
+      </p:pic>
+    </p:spTree>
+    <p:extLst>
+      <p:ext uri="{BB962C8B-B14F-4D97-AF65-F5344CB8AC3E}">
+        <p14:creationId xmlns:p14="http://schemas.microsoft.com/office/powerpoint/2010/main" val="662151997"/>
+      </p:ext>
+    </p:extLst>
+  </p:cSld>
+  <p:clrMapOvr>
+    <a:masterClrMapping/>
+  </p:clrMapOvr>
+</p:sld>
+</file>
+
+<file path=ppt/slides/slide2.xml><?xml version="1.0" encoding="utf-8"?>
+<p:sld xmlns:a="http://schemas.openxmlformats.org/drawingml/2006/main" xmlns:r="http://schemas.openxmlformats.org/officeDocument/2006/relationships" xmlns:p="http://schemas.openxmlformats.org/presentationml/2006/main">
+  <p:cSld>
+    <p:spTree>
+      <p:nvGrpSpPr>
+        <p:cNvPr id="1" name=""/>
+        <p:cNvGrpSpPr/>
+        <p:nvPr/>
+      </p:nvGrpSpPr>
+      <p:grpSpPr>
+        <a:xfrm>
+          <a:off x="0" y="0"/>
+          <a:ext cx="0" cy="0"/>
+          <a:chOff x="0" y="0"/>
+          <a:chExt cx="0" cy="0"/>
+        </a:xfrm>
+      </p:grpSpPr>
+      <p:pic>
+        <p:nvPicPr>
+          <p:cNvPr id="4" name="Picture 2" descr="Image result for federal election 2011 results by riding">
+            <a:extLst>
+              <a:ext uri="{FF2B5EF4-FFF2-40B4-BE49-F238E27FC236}">
+                <a16:creationId xmlns:a16="http://schemas.microsoft.com/office/drawing/2014/main" id="{DF3BBA39-C65A-47D4-B967-D0955D229FB1}"/>
+              </a:ext>
+            </a:extLst>
+          </p:cNvPr>
+          <p:cNvPicPr>
+            <a:picLocks noGrp="1" noChangeAspect="1" noChangeArrowheads="1"/>
+          </p:cNvPicPr>
+          <p:nvPr>
+            <p:ph idx="1"/>
+          </p:nvPr>
+        </p:nvPicPr>
+        <p:blipFill>
+          <a:blip r:embed="rId2">
+            <a:extLst>
+              <a:ext uri="{28A0092B-C50C-407E-A947-70E740481C1C}">
+                <a14:useLocalDpi xmlns:a14="http://schemas.microsoft.com/office/drawing/2010/main" val="0"/>
+              </a:ext>
+            </a:extLst>
+          </a:blip>
+          <a:srcRect/>
+          <a:stretch>
+            <a:fillRect/>
+          </a:stretch>
+        </p:blipFill>
+        <p:spPr bwMode="auto">
+          <a:xfrm>
+            <a:off x="2609489" y="787968"/>
+            <a:ext cx="6973021" cy="5282063"/>
           </a:xfrm>
           <a:prstGeom prst="rect">
             <a:avLst/>
           </a:prstGeom>
           <a:noFill/>
-        </p:spPr>
-        <p:txBody>
-          <a:bodyPr wrap="square" rtlCol="0">
-            <a:spAutoFit/>
-          </a:bodyPr>
-          <a:lstStyle/>
-          <a:p>
-            <a:r>
-              <a:rPr lang="en-CA" sz="1200" dirty="0"/>
-              <a:t>P=0.0079</a:t>
-            </a:r>
-          </a:p>
-        </p:txBody>
-      </p:sp>
-      <p:sp>
-        <p:nvSpPr>
-          <p:cNvPr id="9" name="TextBox 8">
+          <a:extLst>
+            <a:ext uri="{909E8E84-426E-40DD-AFC4-6F175D3DCCD1}">
+              <a14:hiddenFill xmlns:a14="http://schemas.microsoft.com/office/drawing/2010/main">
+                <a:solidFill>
+                  <a:srgbClr val="FFFFFF"/>
+                </a:solidFill>
+              </a14:hiddenFill>
+            </a:ext>
+          </a:extLst>
+        </p:spPr>
+      </p:pic>
+    </p:spTree>
+    <p:extLst>
+      <p:ext uri="{BB962C8B-B14F-4D97-AF65-F5344CB8AC3E}">
+        <p14:creationId xmlns:p14="http://schemas.microsoft.com/office/powerpoint/2010/main" val="3144532124"/>
+      </p:ext>
+    </p:extLst>
+  </p:cSld>
+  <p:clrMapOvr>
+    <a:masterClrMapping/>
+  </p:clrMapOvr>
+</p:sld>
+</file>
+
+<file path=ppt/slides/slide3.xml><?xml version="1.0" encoding="utf-8"?>
+<p:sld xmlns:a="http://schemas.openxmlformats.org/drawingml/2006/main" xmlns:r="http://schemas.openxmlformats.org/officeDocument/2006/relationships" xmlns:p="http://schemas.openxmlformats.org/presentationml/2006/main">
+  <p:cSld>
+    <p:spTree>
+      <p:nvGrpSpPr>
+        <p:cNvPr id="1" name=""/>
+        <p:cNvGrpSpPr/>
+        <p:nvPr/>
+      </p:nvGrpSpPr>
+      <p:grpSpPr>
+        <a:xfrm>
+          <a:off x="0" y="0"/>
+          <a:ext cx="0" cy="0"/>
+          <a:chOff x="0" y="0"/>
+          <a:chExt cx="0" cy="0"/>
+        </a:xfrm>
+      </p:grpSpPr>
+      <p:pic>
+        <p:nvPicPr>
+          <p:cNvPr id="5" name="Content Placeholder 4" descr="A picture containing umbrella&#10;&#10;Description automatically generated">
             <a:extLst>
               <a:ext uri="{FF2B5EF4-FFF2-40B4-BE49-F238E27FC236}">
-                <a16:creationId xmlns:a16="http://schemas.microsoft.com/office/drawing/2014/main" id="{4139206D-40EC-45F3-B1BE-71B488AF43F9}"/>
+                <a16:creationId xmlns:a16="http://schemas.microsoft.com/office/drawing/2014/main" id="{FD63F124-78D3-43A4-A3F9-343478909DC0}"/>
               </a:ext>
             </a:extLst>
           </p:cNvPr>
-          <p:cNvSpPr txBox="1"/>
-          <p:nvPr/>
-        </p:nvSpPr>
+          <p:cNvPicPr>
+            <a:picLocks noGrp="1" noChangeAspect="1"/>
+          </p:cNvPicPr>
+          <p:nvPr>
+            <p:ph idx="1"/>
+          </p:nvPr>
+        </p:nvPicPr>
+        <p:blipFill>
+          <a:blip r:embed="rId2"/>
+          <a:stretch>
+            <a:fillRect/>
+          </a:stretch>
+        </p:blipFill>
         <p:spPr>
           <a:xfrm>
-            <a:off x="9709923" y="6496476"/>
-            <a:ext cx="1589049" cy="276999"/>
+            <a:off x="1797325" y="563217"/>
+            <a:ext cx="8597350" cy="5731566"/>
+          </a:xfrm>
+        </p:spPr>
+      </p:pic>
+    </p:spTree>
+    <p:extLst>
+      <p:ext uri="{BB962C8B-B14F-4D97-AF65-F5344CB8AC3E}">
+        <p14:creationId xmlns:p14="http://schemas.microsoft.com/office/powerpoint/2010/main" val="2685175993"/>
+      </p:ext>
+    </p:extLst>
+  </p:cSld>
+  <p:clrMapOvr>
+    <a:masterClrMapping/>
+  </p:clrMapOvr>
+</p:sld>
+</file>
+
+<file path=ppt/slides/slide4.xml><?xml version="1.0" encoding="utf-8"?>
+<p:sld xmlns:a="http://schemas.openxmlformats.org/drawingml/2006/main" xmlns:r="http://schemas.openxmlformats.org/officeDocument/2006/relationships" xmlns:p="http://schemas.openxmlformats.org/presentationml/2006/main">
+  <p:cSld>
+    <p:spTree>
+      <p:nvGrpSpPr>
+        <p:cNvPr id="1" name=""/>
+        <p:cNvGrpSpPr/>
+        <p:nvPr/>
+      </p:nvGrpSpPr>
+      <p:grpSpPr>
+        <a:xfrm>
+          <a:off x="0" y="0"/>
+          <a:ext cx="0" cy="0"/>
+          <a:chOff x="0" y="0"/>
+          <a:chExt cx="0" cy="0"/>
+        </a:xfrm>
+      </p:grpSpPr>
+      <p:sp>
+        <p:nvSpPr>
+          <p:cNvPr id="3" name="Content Placeholder 2">
+            <a:extLst>
+              <a:ext uri="{FF2B5EF4-FFF2-40B4-BE49-F238E27FC236}">
+                <a16:creationId xmlns:a16="http://schemas.microsoft.com/office/drawing/2014/main" id="{167FDC7A-585E-43BD-B630-8DBE55DAC528}"/>
+              </a:ext>
+            </a:extLst>
+          </p:cNvPr>
+          <p:cNvSpPr>
+            <a:spLocks noGrp="1"/>
+          </p:cNvSpPr>
+          <p:nvPr>
+            <p:ph idx="1"/>
+          </p:nvPr>
+        </p:nvSpPr>
+        <p:spPr>
+          <a:xfrm>
+            <a:off x="1847091" y="980660"/>
+            <a:ext cx="8872492" cy="3098971"/>
+          </a:xfrm>
+        </p:spPr>
+        <p:txBody>
+          <a:bodyPr>
+            <a:normAutofit/>
+          </a:bodyPr>
+          <a:lstStyle/>
+          <a:p>
+            <a:r>
+              <a:rPr lang="en-CA" sz="2400" dirty="0"/>
+              <a:t>Hypothesis of factors influencing an Election</a:t>
+            </a:r>
+          </a:p>
+          <a:p>
+            <a:pPr lvl="1"/>
+            <a:r>
+              <a:rPr lang="en-CA" sz="2000" dirty="0"/>
+              <a:t>Age</a:t>
+            </a:r>
+          </a:p>
+          <a:p>
+            <a:pPr lvl="1"/>
+            <a:r>
+              <a:rPr lang="en-CA" sz="2000" dirty="0"/>
+              <a:t>Education</a:t>
+            </a:r>
+          </a:p>
+          <a:p>
+            <a:pPr lvl="1"/>
+            <a:r>
+              <a:rPr lang="en-CA" sz="2000" dirty="0"/>
+              <a:t>Gender</a:t>
+            </a:r>
+          </a:p>
+          <a:p>
+            <a:pPr lvl="1"/>
+            <a:r>
+              <a:rPr lang="en-CA" sz="2000" dirty="0"/>
+              <a:t>Turnout</a:t>
+            </a:r>
+          </a:p>
+          <a:p>
+            <a:pPr lvl="1"/>
+            <a:r>
+              <a:rPr lang="en-CA" sz="2000" dirty="0"/>
+              <a:t>Income</a:t>
+            </a:r>
+          </a:p>
+        </p:txBody>
+      </p:sp>
+      <p:pic>
+        <p:nvPicPr>
+          <p:cNvPr id="7" name="Picture 6" descr="A close up of a logo&#10;&#10;Description automatically generated">
+            <a:extLst>
+              <a:ext uri="{FF2B5EF4-FFF2-40B4-BE49-F238E27FC236}">
+                <a16:creationId xmlns:a16="http://schemas.microsoft.com/office/drawing/2014/main" id="{7343F20E-3AA5-413A-9463-BD7FA6EFB074}"/>
+              </a:ext>
+            </a:extLst>
+          </p:cNvPr>
+          <p:cNvPicPr>
+            <a:picLocks noChangeAspect="1"/>
+          </p:cNvPicPr>
+          <p:nvPr/>
+        </p:nvPicPr>
+        <p:blipFill>
+          <a:blip r:embed="rId2">
+            <a:extLst>
+              <a:ext uri="{837473B0-CC2E-450A-ABE3-18F120FF3D39}">
+                <a1611:picAttrSrcUrl xmlns:a1611="http://schemas.microsoft.com/office/drawing/2016/11/main" r:id="rId3"/>
+              </a:ext>
+            </a:extLst>
+          </a:blip>
+          <a:stretch>
+            <a:fillRect/>
+          </a:stretch>
+        </p:blipFill>
+        <p:spPr>
+          <a:xfrm>
+            <a:off x="8314006" y="4079631"/>
+            <a:ext cx="3877994" cy="1142191"/>
+          </a:xfrm>
+          <a:prstGeom prst="rect">
+            <a:avLst/>
+          </a:prstGeom>
+        </p:spPr>
+      </p:pic>
+      <p:pic>
+        <p:nvPicPr>
+          <p:cNvPr id="1026" name="Picture 2" descr="Image result for govermnet of canada logo">
+            <a:extLst>
+              <a:ext uri="{FF2B5EF4-FFF2-40B4-BE49-F238E27FC236}">
+                <a16:creationId xmlns:a16="http://schemas.microsoft.com/office/drawing/2014/main" id="{49272F1A-0CC4-4ACA-B49C-A66BCFD20702}"/>
+              </a:ext>
+            </a:extLst>
+          </p:cNvPr>
+          <p:cNvPicPr>
+            <a:picLocks noChangeAspect="1" noChangeArrowheads="1"/>
+          </p:cNvPicPr>
+          <p:nvPr/>
+        </p:nvPicPr>
+        <p:blipFill>
+          <a:blip r:embed="rId4">
+            <a:extLst>
+              <a:ext uri="{28A0092B-C50C-407E-A947-70E740481C1C}">
+                <a14:useLocalDpi xmlns:a14="http://schemas.microsoft.com/office/drawing/2010/main" val="0"/>
+              </a:ext>
+            </a:extLst>
+          </a:blip>
+          <a:srcRect/>
+          <a:stretch>
+            <a:fillRect/>
+          </a:stretch>
+        </p:blipFill>
+        <p:spPr bwMode="auto">
+          <a:xfrm>
+            <a:off x="9061771" y="5501823"/>
+            <a:ext cx="2382464" cy="751034"/>
           </a:xfrm>
           <a:prstGeom prst="rect">
             <a:avLst/>
           </a:prstGeom>
           <a:noFill/>
-        </p:spPr>
-        <p:txBody>
-          <a:bodyPr wrap="square" rtlCol="0">
-            <a:spAutoFit/>
-          </a:bodyPr>
-          <a:lstStyle/>
-          <a:p>
-            <a:r>
-              <a:rPr lang="en-CA" sz="1200" dirty="0"/>
-              <a:t>P=0.44</a:t>
-            </a:r>
-          </a:p>
-        </p:txBody>
-      </p:sp>
+          <a:extLst>
+            <a:ext uri="{909E8E84-426E-40DD-AFC4-6F175D3DCCD1}">
+              <a14:hiddenFill xmlns:a14="http://schemas.microsoft.com/office/drawing/2010/main">
+                <a:solidFill>
+                  <a:srgbClr val="FFFFFF"/>
+                </a:solidFill>
+              </a14:hiddenFill>
+            </a:ext>
+          </a:extLst>
+        </p:spPr>
+      </p:pic>
     </p:spTree>
     <p:extLst>
       <p:ext uri="{BB962C8B-B14F-4D97-AF65-F5344CB8AC3E}">
-        <p14:creationId xmlns:p14="http://schemas.microsoft.com/office/powerpoint/2010/main" val="91461647"/>
+        <p14:creationId xmlns:p14="http://schemas.microsoft.com/office/powerpoint/2010/main" val="363812928"/>
       </p:ext>
     </p:extLst>
   </p:cSld>
@@ -8865,6 +8681,852 @@
         </p:nvSpPr>
         <p:spPr>
           <a:xfrm>
+            <a:off x="1679785" y="708567"/>
+            <a:ext cx="9231684" cy="461665"/>
+          </a:xfrm>
+          <a:prstGeom prst="rect">
+            <a:avLst/>
+          </a:prstGeom>
+        </p:spPr>
+        <p:txBody>
+          <a:bodyPr wrap="square">
+            <a:spAutoFit/>
+          </a:bodyPr>
+          <a:lstStyle/>
+          <a:p>
+            <a:pPr marL="0" marR="0" lvl="0" indent="0" algn="l" defTabSz="457200" rtl="0" eaLnBrk="1" fontAlgn="auto" latinLnBrk="0" hangingPunct="1">
+              <a:lnSpc>
+                <a:spcPct val="100000"/>
+              </a:lnSpc>
+              <a:spcBef>
+                <a:spcPts val="0"/>
+              </a:spcBef>
+              <a:spcAft>
+                <a:spcPts val="0"/>
+              </a:spcAft>
+              <a:buClrTx/>
+              <a:buSzTx/>
+              <a:buFontTx/>
+              <a:buNone/>
+              <a:tabLst/>
+              <a:defRPr/>
+            </a:pPr>
+            <a:r>
+              <a:rPr lang="en-US" sz="2400" dirty="0">
+                <a:solidFill>
+                  <a:srgbClr val="000000"/>
+                </a:solidFill>
+                <a:latin typeface="Century Gothic" panose="020B0502020202020204"/>
+              </a:rPr>
+              <a:t> %Population by Highest Education Level</a:t>
+            </a:r>
+            <a:endParaRPr kumimoji="0" lang="en-CA" sz="2400" b="0" i="0" u="none" strike="noStrike" kern="1200" cap="none" spc="0" normalizeH="0" baseline="0" noProof="0" dirty="0">
+              <a:ln>
+                <a:noFill/>
+              </a:ln>
+              <a:solidFill>
+                <a:srgbClr val="000000"/>
+              </a:solidFill>
+              <a:effectLst/>
+              <a:uLnTx/>
+              <a:uFillTx/>
+              <a:latin typeface="Century Gothic" panose="020B0502020202020204"/>
+              <a:ea typeface="+mn-ea"/>
+              <a:cs typeface="+mn-cs"/>
+            </a:endParaRPr>
+          </a:p>
+        </p:txBody>
+      </p:sp>
+      <p:sp>
+        <p:nvSpPr>
+          <p:cNvPr id="10" name="TextBox 9">
+            <a:extLst>
+              <a:ext uri="{FF2B5EF4-FFF2-40B4-BE49-F238E27FC236}">
+                <a16:creationId xmlns:a16="http://schemas.microsoft.com/office/drawing/2014/main" id="{4AF68A73-AC1E-4AEF-8EA9-E2593DC360A8}"/>
+              </a:ext>
+            </a:extLst>
+          </p:cNvPr>
+          <p:cNvSpPr txBox="1"/>
+          <p:nvPr/>
+        </p:nvSpPr>
+        <p:spPr>
+          <a:xfrm>
+            <a:off x="9740590" y="2235173"/>
+            <a:ext cx="758283" cy="276999"/>
+          </a:xfrm>
+          <a:prstGeom prst="rect">
+            <a:avLst/>
+          </a:prstGeom>
+          <a:noFill/>
+        </p:spPr>
+        <p:txBody>
+          <a:bodyPr wrap="square" rtlCol="0">
+            <a:spAutoFit/>
+          </a:bodyPr>
+          <a:lstStyle/>
+          <a:p>
+            <a:r>
+              <a:rPr lang="en-CA" sz="1200" dirty="0"/>
+              <a:t>P=0.29</a:t>
+            </a:r>
+          </a:p>
+        </p:txBody>
+      </p:sp>
+      <p:sp>
+        <p:nvSpPr>
+          <p:cNvPr id="14" name="TextBox 13">
+            <a:extLst>
+              <a:ext uri="{FF2B5EF4-FFF2-40B4-BE49-F238E27FC236}">
+                <a16:creationId xmlns:a16="http://schemas.microsoft.com/office/drawing/2014/main" id="{13FD781D-4C4F-4A9C-B40C-9FCE4BEF3FDA}"/>
+              </a:ext>
+            </a:extLst>
+          </p:cNvPr>
+          <p:cNvSpPr txBox="1"/>
+          <p:nvPr/>
+        </p:nvSpPr>
+        <p:spPr>
+          <a:xfrm>
+            <a:off x="9740590" y="3577113"/>
+            <a:ext cx="1589049" cy="276999"/>
+          </a:xfrm>
+          <a:prstGeom prst="rect">
+            <a:avLst/>
+          </a:prstGeom>
+          <a:noFill/>
+        </p:spPr>
+        <p:txBody>
+          <a:bodyPr wrap="square" rtlCol="0">
+            <a:spAutoFit/>
+          </a:bodyPr>
+          <a:lstStyle/>
+          <a:p>
+            <a:r>
+              <a:rPr lang="en-CA" sz="1200" dirty="0"/>
+              <a:t>P=1.4x10</a:t>
+            </a:r>
+            <a:r>
+              <a:rPr lang="en-CA" sz="1200" baseline="30000" dirty="0"/>
+              <a:t>-5</a:t>
+            </a:r>
+            <a:endParaRPr lang="en-CA" sz="1200" dirty="0"/>
+          </a:p>
+        </p:txBody>
+      </p:sp>
+      <p:sp>
+        <p:nvSpPr>
+          <p:cNvPr id="16" name="TextBox 15">
+            <a:extLst>
+              <a:ext uri="{FF2B5EF4-FFF2-40B4-BE49-F238E27FC236}">
+                <a16:creationId xmlns:a16="http://schemas.microsoft.com/office/drawing/2014/main" id="{EE2FFD61-B1FB-45EC-B26E-1BD62AF420EF}"/>
+              </a:ext>
+            </a:extLst>
+          </p:cNvPr>
+          <p:cNvSpPr txBox="1"/>
+          <p:nvPr/>
+        </p:nvSpPr>
+        <p:spPr>
+          <a:xfrm>
+            <a:off x="9704348" y="4919053"/>
+            <a:ext cx="1589049" cy="276999"/>
+          </a:xfrm>
+          <a:prstGeom prst="rect">
+            <a:avLst/>
+          </a:prstGeom>
+          <a:noFill/>
+        </p:spPr>
+        <p:txBody>
+          <a:bodyPr wrap="square" rtlCol="0">
+            <a:spAutoFit/>
+          </a:bodyPr>
+          <a:lstStyle/>
+          <a:p>
+            <a:r>
+              <a:rPr lang="en-CA" sz="1200" dirty="0"/>
+              <a:t>P=1.1x10</a:t>
+            </a:r>
+            <a:r>
+              <a:rPr lang="en-CA" sz="1200" baseline="30000" dirty="0"/>
+              <a:t>-30</a:t>
+            </a:r>
+            <a:endParaRPr lang="en-CA" sz="1200" dirty="0"/>
+          </a:p>
+        </p:txBody>
+      </p:sp>
+      <p:sp>
+        <p:nvSpPr>
+          <p:cNvPr id="18" name="TextBox 17">
+            <a:extLst>
+              <a:ext uri="{FF2B5EF4-FFF2-40B4-BE49-F238E27FC236}">
+                <a16:creationId xmlns:a16="http://schemas.microsoft.com/office/drawing/2014/main" id="{233A0489-5A50-495C-838D-1903A9F2ED75}"/>
+              </a:ext>
+            </a:extLst>
+          </p:cNvPr>
+          <p:cNvSpPr txBox="1"/>
+          <p:nvPr/>
+        </p:nvSpPr>
+        <p:spPr>
+          <a:xfrm>
+            <a:off x="9687620" y="6459779"/>
+            <a:ext cx="1589049" cy="276999"/>
+          </a:xfrm>
+          <a:prstGeom prst="rect">
+            <a:avLst/>
+          </a:prstGeom>
+          <a:noFill/>
+        </p:spPr>
+        <p:txBody>
+          <a:bodyPr wrap="square" rtlCol="0">
+            <a:spAutoFit/>
+          </a:bodyPr>
+          <a:lstStyle/>
+          <a:p>
+            <a:r>
+              <a:rPr lang="en-CA" sz="1200" dirty="0"/>
+              <a:t>P=1.9x10</a:t>
+            </a:r>
+            <a:r>
+              <a:rPr lang="en-CA" sz="1200" baseline="30000" dirty="0"/>
+              <a:t>-36</a:t>
+            </a:r>
+            <a:endParaRPr lang="en-CA" sz="1200" dirty="0"/>
+          </a:p>
+        </p:txBody>
+      </p:sp>
+      <p:pic>
+        <p:nvPicPr>
+          <p:cNvPr id="12" name="Picture 11" descr="A screen shot of a computer&#10;&#10;Description automatically generated">
+            <a:extLst>
+              <a:ext uri="{FF2B5EF4-FFF2-40B4-BE49-F238E27FC236}">
+                <a16:creationId xmlns:a16="http://schemas.microsoft.com/office/drawing/2014/main" id="{9EBEA8B0-160B-4363-A355-9741A7B190EF}"/>
+              </a:ext>
+            </a:extLst>
+          </p:cNvPr>
+          <p:cNvPicPr>
+            <a:picLocks noChangeAspect="1"/>
+          </p:cNvPicPr>
+          <p:nvPr/>
+        </p:nvPicPr>
+        <p:blipFill>
+          <a:blip r:embed="rId2"/>
+          <a:stretch>
+            <a:fillRect/>
+          </a:stretch>
+        </p:blipFill>
+        <p:spPr>
+          <a:xfrm>
+            <a:off x="95250" y="314492"/>
+            <a:ext cx="12001500" cy="6858000"/>
+          </a:xfrm>
+          <a:prstGeom prst="rect">
+            <a:avLst/>
+          </a:prstGeom>
+        </p:spPr>
+      </p:pic>
+    </p:spTree>
+    <p:extLst>
+      <p:ext uri="{BB962C8B-B14F-4D97-AF65-F5344CB8AC3E}">
+        <p14:creationId xmlns:p14="http://schemas.microsoft.com/office/powerpoint/2010/main" val="3811565196"/>
+      </p:ext>
+    </p:extLst>
+  </p:cSld>
+  <p:clrMapOvr>
+    <a:masterClrMapping/>
+  </p:clrMapOvr>
+</p:sld>
+</file>
+
+<file path=ppt/slides/slide6.xml><?xml version="1.0" encoding="utf-8"?>
+<p:sld xmlns:a="http://schemas.openxmlformats.org/drawingml/2006/main" xmlns:r="http://schemas.openxmlformats.org/officeDocument/2006/relationships" xmlns:p="http://schemas.openxmlformats.org/presentationml/2006/main">
+  <p:cSld>
+    <p:bg>
+      <p:bgPr>
+        <a:gradFill flip="none" rotWithShape="1">
+          <a:gsLst>
+            <a:gs pos="83698">
+              <a:srgbClr val="FBFBFA"/>
+            </a:gs>
+            <a:gs pos="100000">
+              <a:schemeClr val="bg1">
+                <a:alpha val="84000"/>
+                <a:lumMod val="70000"/>
+                <a:lumOff val="30000"/>
+              </a:schemeClr>
+            </a:gs>
+          </a:gsLst>
+          <a:path path="circle">
+            <a:fillToRect l="50000" t="50000" r="100000" b="100000"/>
+          </a:path>
+          <a:tileRect/>
+        </a:gradFill>
+        <a:effectLst/>
+      </p:bgPr>
+    </p:bg>
+    <p:spTree>
+      <p:nvGrpSpPr>
+        <p:cNvPr id="1" name=""/>
+        <p:cNvGrpSpPr/>
+        <p:nvPr/>
+      </p:nvGrpSpPr>
+      <p:grpSpPr>
+        <a:xfrm>
+          <a:off x="0" y="0"/>
+          <a:ext cx="0" cy="0"/>
+          <a:chOff x="0" y="0"/>
+          <a:chExt cx="0" cy="0"/>
+        </a:xfrm>
+      </p:grpSpPr>
+      <p:sp>
+        <p:nvSpPr>
+          <p:cNvPr id="15" name="Rectangle 14">
+            <a:extLst>
+              <a:ext uri="{FF2B5EF4-FFF2-40B4-BE49-F238E27FC236}">
+                <a16:creationId xmlns:a16="http://schemas.microsoft.com/office/drawing/2014/main" id="{403B66E7-26A9-495E-AB36-01DBB8DAA62C}"/>
+              </a:ext>
+            </a:extLst>
+          </p:cNvPr>
+          <p:cNvSpPr/>
+          <p:nvPr/>
+        </p:nvSpPr>
+        <p:spPr>
+          <a:xfrm>
+            <a:off x="1668633" y="708567"/>
+            <a:ext cx="9265138" cy="461665"/>
+          </a:xfrm>
+          <a:prstGeom prst="rect">
+            <a:avLst/>
+          </a:prstGeom>
+        </p:spPr>
+        <p:txBody>
+          <a:bodyPr wrap="square">
+            <a:spAutoFit/>
+          </a:bodyPr>
+          <a:lstStyle/>
+          <a:p>
+            <a:pPr marL="0" marR="0" lvl="0" indent="0" algn="l" defTabSz="457200" rtl="0" eaLnBrk="1" fontAlgn="auto" latinLnBrk="0" hangingPunct="1">
+              <a:lnSpc>
+                <a:spcPct val="100000"/>
+              </a:lnSpc>
+              <a:spcBef>
+                <a:spcPts val="0"/>
+              </a:spcBef>
+              <a:spcAft>
+                <a:spcPts val="0"/>
+              </a:spcAft>
+              <a:buClrTx/>
+              <a:buSzTx/>
+              <a:buFontTx/>
+              <a:buNone/>
+              <a:tabLst/>
+              <a:defRPr/>
+            </a:pPr>
+            <a:r>
+              <a:rPr kumimoji="0" lang="en-US" sz="2400" b="0" i="0" u="none" strike="noStrike" kern="1200" cap="none" spc="0" normalizeH="0" baseline="0" noProof="0" dirty="0">
+                <a:ln>
+                  <a:noFill/>
+                </a:ln>
+                <a:solidFill>
+                  <a:srgbClr val="000000"/>
+                </a:solidFill>
+                <a:effectLst/>
+                <a:uLnTx/>
+                <a:uFillTx/>
+                <a:latin typeface="Century Gothic" panose="020B0502020202020204"/>
+                <a:ea typeface="+mn-ea"/>
+                <a:cs typeface="+mn-cs"/>
+              </a:rPr>
+              <a:t>Riding Age Demographics, Grouped by Party</a:t>
+            </a:r>
+            <a:endParaRPr kumimoji="0" lang="en-CA" sz="2400" b="0" i="0" u="none" strike="noStrike" kern="1200" cap="none" spc="0" normalizeH="0" baseline="0" noProof="0" dirty="0">
+              <a:ln>
+                <a:noFill/>
+              </a:ln>
+              <a:solidFill>
+                <a:srgbClr val="000000"/>
+              </a:solidFill>
+              <a:effectLst/>
+              <a:uLnTx/>
+              <a:uFillTx/>
+              <a:latin typeface="Century Gothic" panose="020B0502020202020204"/>
+              <a:ea typeface="+mn-ea"/>
+              <a:cs typeface="+mn-cs"/>
+            </a:endParaRPr>
+          </a:p>
+        </p:txBody>
+      </p:sp>
+      <p:pic>
+        <p:nvPicPr>
+          <p:cNvPr id="3" name="Picture 2" descr="A picture containing screen, computer, sitting, table&#10;&#10;Description automatically generated">
+            <a:extLst>
+              <a:ext uri="{FF2B5EF4-FFF2-40B4-BE49-F238E27FC236}">
+                <a16:creationId xmlns:a16="http://schemas.microsoft.com/office/drawing/2014/main" id="{4D515FC6-DEDE-4C8D-8F9B-77C048F530A3}"/>
+              </a:ext>
+            </a:extLst>
+          </p:cNvPr>
+          <p:cNvPicPr>
+            <a:picLocks noChangeAspect="1"/>
+          </p:cNvPicPr>
+          <p:nvPr/>
+        </p:nvPicPr>
+        <p:blipFill>
+          <a:blip r:embed="rId2"/>
+          <a:stretch>
+            <a:fillRect/>
+          </a:stretch>
+        </p:blipFill>
+        <p:spPr>
+          <a:xfrm>
+            <a:off x="95250" y="312234"/>
+            <a:ext cx="12001500" cy="6858000"/>
+          </a:xfrm>
+          <a:prstGeom prst="rect">
+            <a:avLst/>
+          </a:prstGeom>
+        </p:spPr>
+      </p:pic>
+      <p:sp>
+        <p:nvSpPr>
+          <p:cNvPr id="6" name="TextBox 5">
+            <a:extLst>
+              <a:ext uri="{FF2B5EF4-FFF2-40B4-BE49-F238E27FC236}">
+                <a16:creationId xmlns:a16="http://schemas.microsoft.com/office/drawing/2014/main" id="{B2572652-B30C-41E9-900B-C002E6E003C2}"/>
+              </a:ext>
+            </a:extLst>
+          </p:cNvPr>
+          <p:cNvSpPr txBox="1"/>
+          <p:nvPr/>
+        </p:nvSpPr>
+        <p:spPr>
+          <a:xfrm>
+            <a:off x="9821435" y="2231610"/>
+            <a:ext cx="1589049" cy="276999"/>
+          </a:xfrm>
+          <a:prstGeom prst="rect">
+            <a:avLst/>
+          </a:prstGeom>
+          <a:noFill/>
+        </p:spPr>
+        <p:txBody>
+          <a:bodyPr wrap="square" rtlCol="0">
+            <a:spAutoFit/>
+          </a:bodyPr>
+          <a:lstStyle/>
+          <a:p>
+            <a:r>
+              <a:rPr lang="en-CA" sz="1200" dirty="0"/>
+              <a:t>P=2.2x10</a:t>
+            </a:r>
+            <a:r>
+              <a:rPr lang="en-CA" sz="1200" baseline="30000" dirty="0"/>
+              <a:t>-20</a:t>
+            </a:r>
+            <a:endParaRPr lang="en-CA" sz="1200" dirty="0"/>
+          </a:p>
+        </p:txBody>
+      </p:sp>
+      <p:sp>
+        <p:nvSpPr>
+          <p:cNvPr id="7" name="TextBox 6">
+            <a:extLst>
+              <a:ext uri="{FF2B5EF4-FFF2-40B4-BE49-F238E27FC236}">
+                <a16:creationId xmlns:a16="http://schemas.microsoft.com/office/drawing/2014/main" id="{9955157D-937B-4F8B-9A2C-A10DB1C85BA2}"/>
+              </a:ext>
+            </a:extLst>
+          </p:cNvPr>
+          <p:cNvSpPr txBox="1"/>
+          <p:nvPr/>
+        </p:nvSpPr>
+        <p:spPr>
+          <a:xfrm>
+            <a:off x="9821435" y="4924628"/>
+            <a:ext cx="1589049" cy="276999"/>
+          </a:xfrm>
+          <a:prstGeom prst="rect">
+            <a:avLst/>
+          </a:prstGeom>
+          <a:noFill/>
+        </p:spPr>
+        <p:txBody>
+          <a:bodyPr wrap="square" rtlCol="0">
+            <a:spAutoFit/>
+          </a:bodyPr>
+          <a:lstStyle/>
+          <a:p>
+            <a:r>
+              <a:rPr lang="en-CA" sz="1200" dirty="0"/>
+              <a:t>P=7.3x10</a:t>
+            </a:r>
+            <a:r>
+              <a:rPr lang="en-CA" sz="1200" baseline="30000" dirty="0"/>
+              <a:t>-120</a:t>
+            </a:r>
+            <a:endParaRPr lang="en-CA" sz="1200" dirty="0"/>
+          </a:p>
+        </p:txBody>
+      </p:sp>
+      <p:sp>
+        <p:nvSpPr>
+          <p:cNvPr id="8" name="TextBox 7">
+            <a:extLst>
+              <a:ext uri="{FF2B5EF4-FFF2-40B4-BE49-F238E27FC236}">
+                <a16:creationId xmlns:a16="http://schemas.microsoft.com/office/drawing/2014/main" id="{D766C696-B401-44F3-950A-05E351D7397D}"/>
+              </a:ext>
+            </a:extLst>
+          </p:cNvPr>
+          <p:cNvSpPr txBox="1"/>
+          <p:nvPr/>
+        </p:nvSpPr>
+        <p:spPr>
+          <a:xfrm>
+            <a:off x="9821434" y="3569987"/>
+            <a:ext cx="1589049" cy="276999"/>
+          </a:xfrm>
+          <a:prstGeom prst="rect">
+            <a:avLst/>
+          </a:prstGeom>
+          <a:noFill/>
+        </p:spPr>
+        <p:txBody>
+          <a:bodyPr wrap="square" rtlCol="0">
+            <a:spAutoFit/>
+          </a:bodyPr>
+          <a:lstStyle/>
+          <a:p>
+            <a:r>
+              <a:rPr lang="en-CA" sz="1200" dirty="0"/>
+              <a:t>P=5.2x10</a:t>
+            </a:r>
+            <a:r>
+              <a:rPr lang="en-CA" sz="1200" baseline="30000" dirty="0"/>
+              <a:t>-54</a:t>
+            </a:r>
+            <a:endParaRPr lang="en-CA" sz="1200" dirty="0"/>
+          </a:p>
+        </p:txBody>
+      </p:sp>
+      <p:sp>
+        <p:nvSpPr>
+          <p:cNvPr id="9" name="TextBox 8">
+            <a:extLst>
+              <a:ext uri="{FF2B5EF4-FFF2-40B4-BE49-F238E27FC236}">
+                <a16:creationId xmlns:a16="http://schemas.microsoft.com/office/drawing/2014/main" id="{EAE42DA6-DF76-4C2C-ABFF-80FD87EF2E7B}"/>
+              </a:ext>
+            </a:extLst>
+          </p:cNvPr>
+          <p:cNvSpPr txBox="1"/>
+          <p:nvPr/>
+        </p:nvSpPr>
+        <p:spPr>
+          <a:xfrm>
+            <a:off x="9821433" y="6446770"/>
+            <a:ext cx="1589049" cy="276999"/>
+          </a:xfrm>
+          <a:prstGeom prst="rect">
+            <a:avLst/>
+          </a:prstGeom>
+          <a:noFill/>
+        </p:spPr>
+        <p:txBody>
+          <a:bodyPr wrap="square" rtlCol="0">
+            <a:spAutoFit/>
+          </a:bodyPr>
+          <a:lstStyle/>
+          <a:p>
+            <a:r>
+              <a:rPr lang="en-CA" sz="1200" dirty="0"/>
+              <a:t>P=2.9x10</a:t>
+            </a:r>
+            <a:r>
+              <a:rPr lang="en-CA" sz="1200" baseline="30000" dirty="0"/>
+              <a:t>-196</a:t>
+            </a:r>
+            <a:endParaRPr lang="en-CA" sz="1200" dirty="0"/>
+          </a:p>
+        </p:txBody>
+      </p:sp>
+    </p:spTree>
+    <p:extLst>
+      <p:ext uri="{BB962C8B-B14F-4D97-AF65-F5344CB8AC3E}">
+        <p14:creationId xmlns:p14="http://schemas.microsoft.com/office/powerpoint/2010/main" val="1764613719"/>
+      </p:ext>
+    </p:extLst>
+  </p:cSld>
+  <p:clrMapOvr>
+    <a:masterClrMapping/>
+  </p:clrMapOvr>
+</p:sld>
+</file>
+
+<file path=ppt/slides/slide7.xml><?xml version="1.0" encoding="utf-8"?>
+<p:sld xmlns:a="http://schemas.openxmlformats.org/drawingml/2006/main" xmlns:r="http://schemas.openxmlformats.org/officeDocument/2006/relationships" xmlns:p="http://schemas.openxmlformats.org/presentationml/2006/main">
+  <p:cSld>
+    <p:bg>
+      <p:bgPr>
+        <a:gradFill flip="none" rotWithShape="1">
+          <a:gsLst>
+            <a:gs pos="83698">
+              <a:srgbClr val="FBFBFA"/>
+            </a:gs>
+            <a:gs pos="100000">
+              <a:schemeClr val="bg1">
+                <a:alpha val="84000"/>
+                <a:lumMod val="70000"/>
+                <a:lumOff val="30000"/>
+              </a:schemeClr>
+            </a:gs>
+          </a:gsLst>
+          <a:path path="circle">
+            <a:fillToRect l="50000" t="50000" r="100000" b="100000"/>
+          </a:path>
+          <a:tileRect/>
+        </a:gradFill>
+        <a:effectLst/>
+      </p:bgPr>
+    </p:bg>
+    <p:spTree>
+      <p:nvGrpSpPr>
+        <p:cNvPr id="1" name=""/>
+        <p:cNvGrpSpPr/>
+        <p:nvPr/>
+      </p:nvGrpSpPr>
+      <p:grpSpPr>
+        <a:xfrm>
+          <a:off x="0" y="0"/>
+          <a:ext cx="0" cy="0"/>
+          <a:chOff x="0" y="0"/>
+          <a:chExt cx="0" cy="0"/>
+        </a:xfrm>
+      </p:grpSpPr>
+      <p:sp>
+        <p:nvSpPr>
+          <p:cNvPr id="15" name="Rectangle 14">
+            <a:extLst>
+              <a:ext uri="{FF2B5EF4-FFF2-40B4-BE49-F238E27FC236}">
+                <a16:creationId xmlns:a16="http://schemas.microsoft.com/office/drawing/2014/main" id="{403B66E7-26A9-495E-AB36-01DBB8DAA62C}"/>
+              </a:ext>
+            </a:extLst>
+          </p:cNvPr>
+          <p:cNvSpPr/>
+          <p:nvPr/>
+        </p:nvSpPr>
+        <p:spPr>
+          <a:xfrm>
+            <a:off x="1668633" y="708567"/>
+            <a:ext cx="7168708" cy="461665"/>
+          </a:xfrm>
+          <a:prstGeom prst="rect">
+            <a:avLst/>
+          </a:prstGeom>
+        </p:spPr>
+        <p:txBody>
+          <a:bodyPr wrap="square">
+            <a:spAutoFit/>
+          </a:bodyPr>
+          <a:lstStyle/>
+          <a:p>
+            <a:pPr marL="0" marR="0" lvl="0" indent="0" algn="l" defTabSz="457200" rtl="0" eaLnBrk="1" fontAlgn="auto" latinLnBrk="0" hangingPunct="1">
+              <a:lnSpc>
+                <a:spcPct val="100000"/>
+              </a:lnSpc>
+              <a:spcBef>
+                <a:spcPts val="0"/>
+              </a:spcBef>
+              <a:spcAft>
+                <a:spcPts val="0"/>
+              </a:spcAft>
+              <a:buClrTx/>
+              <a:buSzTx/>
+              <a:buFontTx/>
+              <a:buNone/>
+              <a:tabLst/>
+              <a:defRPr/>
+            </a:pPr>
+            <a:r>
+              <a:rPr kumimoji="0" lang="en-CA" sz="2400" b="0" i="0" u="none" strike="noStrike" kern="1200" cap="none" spc="0" normalizeH="0" baseline="0" noProof="0" dirty="0">
+                <a:ln>
+                  <a:noFill/>
+                </a:ln>
+                <a:solidFill>
+                  <a:srgbClr val="000000"/>
+                </a:solidFill>
+                <a:effectLst/>
+                <a:uLnTx/>
+                <a:uFillTx/>
+                <a:latin typeface="Century Gothic" panose="020B0502020202020204"/>
+                <a:ea typeface="+mn-ea"/>
+                <a:cs typeface="+mn-cs"/>
+              </a:rPr>
+              <a:t>Male &amp; Female Vote Totals Analyzed by Party</a:t>
+            </a:r>
+          </a:p>
+        </p:txBody>
+      </p:sp>
+      <p:pic>
+        <p:nvPicPr>
+          <p:cNvPr id="5" name="Picture 4" descr="A picture containing object&#10;&#10;Description automatically generated">
+            <a:extLst>
+              <a:ext uri="{FF2B5EF4-FFF2-40B4-BE49-F238E27FC236}">
+                <a16:creationId xmlns:a16="http://schemas.microsoft.com/office/drawing/2014/main" id="{E99EB36E-0534-42CA-9A86-81B77FFAA032}"/>
+              </a:ext>
+            </a:extLst>
+          </p:cNvPr>
+          <p:cNvPicPr>
+            <a:picLocks noChangeAspect="1"/>
+          </p:cNvPicPr>
+          <p:nvPr/>
+        </p:nvPicPr>
+        <p:blipFill>
+          <a:blip r:embed="rId2"/>
+          <a:stretch>
+            <a:fillRect/>
+          </a:stretch>
+        </p:blipFill>
+        <p:spPr>
+          <a:xfrm>
+            <a:off x="196076" y="301083"/>
+            <a:ext cx="12001500" cy="6858000"/>
+          </a:xfrm>
+          <a:prstGeom prst="rect">
+            <a:avLst/>
+          </a:prstGeom>
+        </p:spPr>
+      </p:pic>
+      <p:sp>
+        <p:nvSpPr>
+          <p:cNvPr id="8" name="TextBox 7">
+            <a:extLst>
+              <a:ext uri="{FF2B5EF4-FFF2-40B4-BE49-F238E27FC236}">
+                <a16:creationId xmlns:a16="http://schemas.microsoft.com/office/drawing/2014/main" id="{89299FB2-7C14-4327-99FD-66D1A3133F14}"/>
+              </a:ext>
+            </a:extLst>
+          </p:cNvPr>
+          <p:cNvSpPr txBox="1"/>
+          <p:nvPr/>
+        </p:nvSpPr>
+        <p:spPr>
+          <a:xfrm>
+            <a:off x="9709922" y="3519575"/>
+            <a:ext cx="1589049" cy="276999"/>
+          </a:xfrm>
+          <a:prstGeom prst="rect">
+            <a:avLst/>
+          </a:prstGeom>
+          <a:noFill/>
+        </p:spPr>
+        <p:txBody>
+          <a:bodyPr wrap="square" rtlCol="0">
+            <a:spAutoFit/>
+          </a:bodyPr>
+          <a:lstStyle/>
+          <a:p>
+            <a:r>
+              <a:rPr lang="en-CA" sz="1200" dirty="0"/>
+              <a:t>P=0.0079</a:t>
+            </a:r>
+          </a:p>
+        </p:txBody>
+      </p:sp>
+      <p:sp>
+        <p:nvSpPr>
+          <p:cNvPr id="9" name="TextBox 8">
+            <a:extLst>
+              <a:ext uri="{FF2B5EF4-FFF2-40B4-BE49-F238E27FC236}">
+                <a16:creationId xmlns:a16="http://schemas.microsoft.com/office/drawing/2014/main" id="{4139206D-40EC-45F3-B1BE-71B488AF43F9}"/>
+              </a:ext>
+            </a:extLst>
+          </p:cNvPr>
+          <p:cNvSpPr txBox="1"/>
+          <p:nvPr/>
+        </p:nvSpPr>
+        <p:spPr>
+          <a:xfrm>
+            <a:off x="9709923" y="6496476"/>
+            <a:ext cx="1589049" cy="276999"/>
+          </a:xfrm>
+          <a:prstGeom prst="rect">
+            <a:avLst/>
+          </a:prstGeom>
+          <a:noFill/>
+        </p:spPr>
+        <p:txBody>
+          <a:bodyPr wrap="square" rtlCol="0">
+            <a:spAutoFit/>
+          </a:bodyPr>
+          <a:lstStyle/>
+          <a:p>
+            <a:r>
+              <a:rPr lang="en-CA" sz="1200" dirty="0"/>
+              <a:t>P=0.44</a:t>
+            </a:r>
+          </a:p>
+        </p:txBody>
+      </p:sp>
+    </p:spTree>
+    <p:extLst>
+      <p:ext uri="{BB962C8B-B14F-4D97-AF65-F5344CB8AC3E}">
+        <p14:creationId xmlns:p14="http://schemas.microsoft.com/office/powerpoint/2010/main" val="91461647"/>
+      </p:ext>
+    </p:extLst>
+  </p:cSld>
+  <p:clrMapOvr>
+    <a:masterClrMapping/>
+  </p:clrMapOvr>
+</p:sld>
+</file>
+
+<file path=ppt/slides/slide8.xml><?xml version="1.0" encoding="utf-8"?>
+<p:sld xmlns:a="http://schemas.openxmlformats.org/drawingml/2006/main" xmlns:r="http://schemas.openxmlformats.org/officeDocument/2006/relationships" xmlns:p="http://schemas.openxmlformats.org/presentationml/2006/main">
+  <p:cSld>
+    <p:bg>
+      <p:bgPr>
+        <a:gradFill flip="none" rotWithShape="1">
+          <a:gsLst>
+            <a:gs pos="83698">
+              <a:srgbClr val="FBFBFA"/>
+            </a:gs>
+            <a:gs pos="100000">
+              <a:schemeClr val="bg1">
+                <a:alpha val="84000"/>
+                <a:lumMod val="70000"/>
+                <a:lumOff val="30000"/>
+              </a:schemeClr>
+            </a:gs>
+          </a:gsLst>
+          <a:path path="circle">
+            <a:fillToRect l="50000" t="50000" r="100000" b="100000"/>
+          </a:path>
+          <a:tileRect/>
+        </a:gradFill>
+        <a:effectLst/>
+      </p:bgPr>
+    </p:bg>
+    <p:spTree>
+      <p:nvGrpSpPr>
+        <p:cNvPr id="1" name=""/>
+        <p:cNvGrpSpPr/>
+        <p:nvPr/>
+      </p:nvGrpSpPr>
+      <p:grpSpPr>
+        <a:xfrm>
+          <a:off x="0" y="0"/>
+          <a:ext cx="0" cy="0"/>
+          <a:chOff x="0" y="0"/>
+          <a:chExt cx="0" cy="0"/>
+        </a:xfrm>
+      </p:grpSpPr>
+      <p:sp>
+        <p:nvSpPr>
+          <p:cNvPr id="15" name="Rectangle 14">
+            <a:extLst>
+              <a:ext uri="{FF2B5EF4-FFF2-40B4-BE49-F238E27FC236}">
+                <a16:creationId xmlns:a16="http://schemas.microsoft.com/office/drawing/2014/main" id="{403B66E7-26A9-495E-AB36-01DBB8DAA62C}"/>
+              </a:ext>
+            </a:extLst>
+          </p:cNvPr>
+          <p:cNvSpPr/>
+          <p:nvPr/>
+        </p:nvSpPr>
+        <p:spPr>
+          <a:xfrm>
             <a:off x="1668633" y="708567"/>
             <a:ext cx="5980999" cy="461665"/>
           </a:xfrm>
@@ -8982,7 +9644,7 @@
 </p:sld>
 </file>
 
-<file path=ppt/slides/slide6.xml><?xml version="1.0" encoding="utf-8"?>
+<file path=ppt/slides/slide9.xml><?xml version="1.0" encoding="utf-8"?>
 <p:sld xmlns:a="http://schemas.openxmlformats.org/drawingml/2006/main" xmlns:r="http://schemas.openxmlformats.org/officeDocument/2006/relationships" xmlns:p="http://schemas.openxmlformats.org/presentationml/2006/main">
   <p:cSld>
     <p:bg>
